--- a/Conceptos previos.pptx
+++ b/Conceptos previos.pptx
@@ -111,6 +111,11 @@
       </a:defRPr>
     </a:lvl9pPr>
   </p:defaultTextStyle>
+  <p:extLst>
+    <p:ext uri="{EFAFB233-063F-42B5-8137-9DF3F51BA10A}">
+      <p15:sldGuideLst xmlns:p15="http://schemas.microsoft.com/office/powerpoint/2012/main"/>
+    </p:ext>
+  </p:extLst>
 </p:presentation>
 </file>
 
@@ -5805,12 +5810,90 @@
             <p:ph idx="1"/>
           </p:nvPr>
         </p:nvSpPr>
-        <p:spPr/>
-        <p:txBody>
-          <a:bodyPr/>
-          <a:lstStyle/>
-          <a:p>
-            <a:endParaRPr lang="es-CR"/>
+        <p:spPr>
+          <a:xfrm>
+            <a:off x="913795" y="2096064"/>
+            <a:ext cx="10353762" cy="4152336"/>
+          </a:xfrm>
+        </p:spPr>
+        <p:txBody>
+          <a:bodyPr/>
+          <a:lstStyle/>
+          <a:p>
+            <a:r>
+              <a:rPr lang="es-MX" dirty="0"/>
+              <a:t>Permite el intercambio de información en tiempo real.</a:t>
+            </a:r>
+          </a:p>
+          <a:p>
+            <a:r>
+              <a:rPr lang="es-MX" dirty="0"/>
+              <a:t>Transmite datos en forma de paquetes.</a:t>
+            </a:r>
+          </a:p>
+          <a:p>
+            <a:r>
+              <a:rPr lang="es-CR" dirty="0"/>
+              <a:t>Utiliza el protocolo AX.25</a:t>
+            </a:r>
+            <a:endParaRPr lang="es-MX" dirty="0"/>
+          </a:p>
+          <a:p>
+            <a:r>
+              <a:rPr lang="es-MX" dirty="0"/>
+              <a:t>La frecuencia más común para APRS en VHF es </a:t>
+            </a:r>
+            <a:r>
+              <a:rPr lang="es-MX" b="1" dirty="0"/>
+              <a:t>144.390 MHz</a:t>
+            </a:r>
+          </a:p>
+          <a:p>
+            <a:pPr marL="0" indent="0" algn="ctr">
+              <a:buNone/>
+            </a:pPr>
+            <a:r>
+              <a:rPr lang="es-CR" dirty="0"/>
+              <a:t>Aplicaciones</a:t>
+            </a:r>
+          </a:p>
+          <a:p>
+            <a:pPr marL="457200" indent="-457200" algn="ctr">
+              <a:buFont typeface="+mj-lt"/>
+              <a:buAutoNum type="arabicPeriod"/>
+            </a:pPr>
+            <a:r>
+              <a:rPr lang="es-MX" dirty="0"/>
+              <a:t>Rastreo de Vehículos y Personas</a:t>
+            </a:r>
+            <a:endParaRPr lang="es-CR" dirty="0"/>
+          </a:p>
+          <a:p>
+            <a:pPr marL="457200" indent="-457200" algn="ctr">
+              <a:buFont typeface="+mj-lt"/>
+              <a:buAutoNum type="arabicPeriod"/>
+            </a:pPr>
+            <a:r>
+              <a:rPr lang="es-CR" dirty="0"/>
+              <a:t>Monitoreo de Condiciones Meteorológicas</a:t>
+            </a:r>
+          </a:p>
+          <a:p>
+            <a:pPr marL="457200" indent="-457200" algn="ctr">
+              <a:buFont typeface="+mj-lt"/>
+              <a:buAutoNum type="arabicPeriod"/>
+            </a:pPr>
+            <a:r>
+              <a:rPr lang="es-CR" dirty="0"/>
+              <a:t>Comunicaciones Locales e Internacionales</a:t>
+            </a:r>
+          </a:p>
+          <a:p>
+            <a:pPr marL="457200" indent="-457200" algn="ctr">
+              <a:buFont typeface="+mj-lt"/>
+              <a:buAutoNum type="arabicPeriod"/>
+            </a:pPr>
+            <a:endParaRPr lang="es-CR" dirty="0"/>
           </a:p>
         </p:txBody>
       </p:sp>
@@ -5888,12 +5971,100 @@
             <p:ph idx="1"/>
           </p:nvPr>
         </p:nvSpPr>
-        <p:spPr/>
-        <p:txBody>
-          <a:bodyPr/>
-          <a:lstStyle/>
-          <a:p>
-            <a:endParaRPr lang="es-CR"/>
+        <p:spPr>
+          <a:xfrm>
+            <a:off x="913795" y="2096064"/>
+            <a:ext cx="10353761" cy="4152336"/>
+          </a:xfrm>
+        </p:spPr>
+        <p:txBody>
+          <a:bodyPr>
+            <a:normAutofit lnSpcReduction="10000"/>
+          </a:bodyPr>
+          <a:lstStyle/>
+          <a:p>
+            <a:r>
+              <a:rPr lang="es-CR" dirty="0"/>
+              <a:t>Es un sistema de seguimiento automático.</a:t>
+            </a:r>
+          </a:p>
+          <a:p>
+            <a:r>
+              <a:rPr lang="es-MX" dirty="0"/>
+              <a:t>Se emiten señales de radio que incluyen información como la identidad del barco.</a:t>
+            </a:r>
+          </a:p>
+          <a:p>
+            <a:r>
+              <a:rPr lang="es-CR" dirty="0"/>
+              <a:t>Utiliza el protocolo TDMA</a:t>
+            </a:r>
+            <a:endParaRPr lang="es-MX" dirty="0"/>
+          </a:p>
+          <a:p>
+            <a:pPr>
+              <a:buFont typeface="Arial" panose="020B0604020202020204" pitchFamily="34" charset="0"/>
+              <a:buChar char="•"/>
+            </a:pPr>
+            <a:r>
+              <a:rPr lang="es-MX" dirty="0"/>
+              <a:t>AIS opera en dos canales de la banda VHF:</a:t>
+            </a:r>
+            <a:r>
+              <a:rPr lang="es-MX" b="1" dirty="0"/>
+              <a:t>161.975 MHz (canal 87B)</a:t>
+            </a:r>
+            <a:r>
+              <a:rPr lang="es-MX" dirty="0"/>
+              <a:t> y </a:t>
+            </a:r>
+            <a:r>
+              <a:rPr lang="es-MX" b="1" dirty="0"/>
+              <a:t>162.025 MHz (canal 88B)</a:t>
+            </a:r>
+          </a:p>
+          <a:p>
+            <a:pPr marL="0" indent="0" algn="ctr">
+              <a:buNone/>
+            </a:pPr>
+            <a:r>
+              <a:rPr lang="es-CR" dirty="0"/>
+              <a:t>Aplicaciones</a:t>
+            </a:r>
+          </a:p>
+          <a:p>
+            <a:pPr marL="457200" indent="-457200" algn="ctr">
+              <a:buFont typeface="+mj-lt"/>
+              <a:buAutoNum type="arabicPeriod"/>
+            </a:pPr>
+            <a:r>
+              <a:rPr lang="es-CR" dirty="0"/>
+              <a:t>Prevención de Colisiones</a:t>
+            </a:r>
+          </a:p>
+          <a:p>
+            <a:pPr marL="457200" indent="-457200" algn="ctr">
+              <a:buFont typeface="+mj-lt"/>
+              <a:buAutoNum type="arabicPeriod"/>
+            </a:pPr>
+            <a:r>
+              <a:rPr lang="es-CR" dirty="0"/>
+              <a:t>Monitoreo del Tráfico Marítimo</a:t>
+            </a:r>
+          </a:p>
+          <a:p>
+            <a:pPr marL="457200" indent="-457200" algn="ctr">
+              <a:buFont typeface="+mj-lt"/>
+              <a:buAutoNum type="arabicPeriod"/>
+            </a:pPr>
+            <a:r>
+              <a:rPr lang="es-CR" dirty="0"/>
+              <a:t>Protección Ambiental</a:t>
+            </a:r>
+            <a:endParaRPr lang="es-MX" dirty="0"/>
+          </a:p>
+          <a:p>
+            <a:endParaRPr lang="es-CR" dirty="0"/>
           </a:p>
         </p:txBody>
       </p:sp>

--- a/Conceptos previos.pptx
+++ b/Conceptos previos.pptx
@@ -9,10 +9,11 @@
     <p:sldId id="257" r:id="rId3"/>
     <p:sldId id="258" r:id="rId4"/>
     <p:sldId id="259" r:id="rId5"/>
-    <p:sldId id="260" r:id="rId6"/>
-    <p:sldId id="263" r:id="rId7"/>
-    <p:sldId id="261" r:id="rId8"/>
-    <p:sldId id="262" r:id="rId9"/>
+    <p:sldId id="264" r:id="rId6"/>
+    <p:sldId id="260" r:id="rId7"/>
+    <p:sldId id="263" r:id="rId8"/>
+    <p:sldId id="261" r:id="rId9"/>
+    <p:sldId id="262" r:id="rId10"/>
   </p:sldIdLst>
   <p:sldSz cx="12192000" cy="6858000"/>
   <p:notesSz cx="6858000" cy="9144000"/>
@@ -119,6 +120,105 @@
 </p:presentation>
 </file>
 
+<file path=ppt/revisionInfo.xml><?xml version="1.0" encoding="utf-8"?>
+<p1510:revInfo xmlns:a="http://schemas.openxmlformats.org/drawingml/2006/main" xmlns:r="http://schemas.openxmlformats.org/officeDocument/2006/relationships" xmlns:p1510="http://schemas.microsoft.com/office/powerpoint/2015/10/main">
+  <p1510:revLst>
+    <p1510:client id="{0CBCA147-A870-4DC4-9EA5-70DB79B76C13}" v="3" dt="2024-08-20T02:12:19.616"/>
+  </p1510:revLst>
+</p1510:revInfo>
+</file>
+
+<file path=ppt/changesInfos/changesInfo1.xml><?xml version="1.0" encoding="utf-8"?>
+<pc:chgInfo xmlns:a="http://schemas.openxmlformats.org/drawingml/2006/main" xmlns:r="http://schemas.openxmlformats.org/officeDocument/2006/relationships" xmlns:ac="http://schemas.microsoft.com/office/drawing/2013/main/command" xmlns:pc="http://schemas.microsoft.com/office/powerpoint/2013/main/command">
+  <pc:docChgLst>
+    <pc:chgData name="FONSECA CRUZ TOBIAS" userId="389bc5bc-2a32-4f44-bd9d-84dc2e97d869" providerId="ADAL" clId="{0CBCA147-A870-4DC4-9EA5-70DB79B76C13}"/>
+    <pc:docChg chg="undo custSel addSld delSld modSld">
+      <pc:chgData name="FONSECA CRUZ TOBIAS" userId="389bc5bc-2a32-4f44-bd9d-84dc2e97d869" providerId="ADAL" clId="{0CBCA147-A870-4DC4-9EA5-70DB79B76C13}" dt="2024-08-20T02:12:19.615" v="509" actId="1076"/>
+      <pc:docMkLst>
+        <pc:docMk/>
+      </pc:docMkLst>
+      <pc:sldChg chg="addSp modSp mod">
+        <pc:chgData name="FONSECA CRUZ TOBIAS" userId="389bc5bc-2a32-4f44-bd9d-84dc2e97d869" providerId="ADAL" clId="{0CBCA147-A870-4DC4-9EA5-70DB79B76C13}" dt="2024-08-20T02:12:19.615" v="509" actId="1076"/>
+        <pc:sldMkLst>
+          <pc:docMk/>
+          <pc:sldMk cId="863072299" sldId="259"/>
+        </pc:sldMkLst>
+        <pc:spChg chg="mod">
+          <ac:chgData name="FONSECA CRUZ TOBIAS" userId="389bc5bc-2a32-4f44-bd9d-84dc2e97d869" providerId="ADAL" clId="{0CBCA147-A870-4DC4-9EA5-70DB79B76C13}" dt="2024-08-20T01:39:07.371" v="8" actId="20577"/>
+          <ac:spMkLst>
+            <pc:docMk/>
+            <pc:sldMk cId="863072299" sldId="259"/>
+            <ac:spMk id="2" creationId="{1F0C5861-666B-AA08-39E2-827DBB9DEA18}"/>
+          </ac:spMkLst>
+        </pc:spChg>
+        <pc:spChg chg="mod">
+          <ac:chgData name="FONSECA CRUZ TOBIAS" userId="389bc5bc-2a32-4f44-bd9d-84dc2e97d869" providerId="ADAL" clId="{0CBCA147-A870-4DC4-9EA5-70DB79B76C13}" dt="2024-08-20T02:01:55.119" v="194" actId="20577"/>
+          <ac:spMkLst>
+            <pc:docMk/>
+            <pc:sldMk cId="863072299" sldId="259"/>
+            <ac:spMk id="3" creationId="{3A39B3F5-1F82-382A-197A-C6EC700308D4}"/>
+          </ac:spMkLst>
+        </pc:spChg>
+        <pc:picChg chg="add mod">
+          <ac:chgData name="FONSECA CRUZ TOBIAS" userId="389bc5bc-2a32-4f44-bd9d-84dc2e97d869" providerId="ADAL" clId="{0CBCA147-A870-4DC4-9EA5-70DB79B76C13}" dt="2024-08-20T02:12:19.615" v="509" actId="1076"/>
+          <ac:picMkLst>
+            <pc:docMk/>
+            <pc:sldMk cId="863072299" sldId="259"/>
+            <ac:picMk id="1026" creationId="{ADCEAEEF-1B22-FDB4-A556-9C7DEBD7DCA8}"/>
+          </ac:picMkLst>
+        </pc:picChg>
+      </pc:sldChg>
+      <pc:sldChg chg="new del">
+        <pc:chgData name="FONSECA CRUZ TOBIAS" userId="389bc5bc-2a32-4f44-bd9d-84dc2e97d869" providerId="ADAL" clId="{0CBCA147-A870-4DC4-9EA5-70DB79B76C13}" dt="2024-08-20T01:59:08.896" v="96" actId="680"/>
+        <pc:sldMkLst>
+          <pc:docMk/>
+          <pc:sldMk cId="101693873" sldId="264"/>
+        </pc:sldMkLst>
+      </pc:sldChg>
+      <pc:sldChg chg="addSp delSp modSp add mod">
+        <pc:chgData name="FONSECA CRUZ TOBIAS" userId="389bc5bc-2a32-4f44-bd9d-84dc2e97d869" providerId="ADAL" clId="{0CBCA147-A870-4DC4-9EA5-70DB79B76C13}" dt="2024-08-20T02:05:46.616" v="506" actId="14100"/>
+        <pc:sldMkLst>
+          <pc:docMk/>
+          <pc:sldMk cId="2889755904" sldId="264"/>
+        </pc:sldMkLst>
+        <pc:spChg chg="del">
+          <ac:chgData name="FONSECA CRUZ TOBIAS" userId="389bc5bc-2a32-4f44-bd9d-84dc2e97d869" providerId="ADAL" clId="{0CBCA147-A870-4DC4-9EA5-70DB79B76C13}" dt="2024-08-20T02:05:31.195" v="498" actId="478"/>
+          <ac:spMkLst>
+            <pc:docMk/>
+            <pc:sldMk cId="2889755904" sldId="264"/>
+            <ac:spMk id="2" creationId="{1F0C5861-666B-AA08-39E2-827DBB9DEA18}"/>
+          </ac:spMkLst>
+        </pc:spChg>
+        <pc:spChg chg="mod">
+          <ac:chgData name="FONSECA CRUZ TOBIAS" userId="389bc5bc-2a32-4f44-bd9d-84dc2e97d869" providerId="ADAL" clId="{0CBCA147-A870-4DC4-9EA5-70DB79B76C13}" dt="2024-08-20T02:05:42.113" v="503" actId="27636"/>
+          <ac:spMkLst>
+            <pc:docMk/>
+            <pc:sldMk cId="2889755904" sldId="264"/>
+            <ac:spMk id="3" creationId="{3A39B3F5-1F82-382A-197A-C6EC700308D4}"/>
+          </ac:spMkLst>
+        </pc:spChg>
+        <pc:spChg chg="add del mod">
+          <ac:chgData name="FONSECA CRUZ TOBIAS" userId="389bc5bc-2a32-4f44-bd9d-84dc2e97d869" providerId="ADAL" clId="{0CBCA147-A870-4DC4-9EA5-70DB79B76C13}" dt="2024-08-20T02:05:34.551" v="499" actId="478"/>
+          <ac:spMkLst>
+            <pc:docMk/>
+            <pc:sldMk cId="2889755904" sldId="264"/>
+            <ac:spMk id="7" creationId="{34DB3CAB-FE96-2DFC-FB09-3C83951DC0B7}"/>
+          </ac:spMkLst>
+        </pc:spChg>
+        <pc:picChg chg="add mod">
+          <ac:chgData name="FONSECA CRUZ TOBIAS" userId="389bc5bc-2a32-4f44-bd9d-84dc2e97d869" providerId="ADAL" clId="{0CBCA147-A870-4DC4-9EA5-70DB79B76C13}" dt="2024-08-20T02:05:46.616" v="506" actId="14100"/>
+          <ac:picMkLst>
+            <pc:docMk/>
+            <pc:sldMk cId="2889755904" sldId="264"/>
+            <ac:picMk id="5" creationId="{DE8594F4-F0FB-F6B6-98E6-FD380CCDB7B0}"/>
+          </ac:picMkLst>
+        </pc:picChg>
+      </pc:sldChg>
+    </pc:docChg>
+  </pc:docChgLst>
+</pc:chgInfo>
+</file>
+
 <file path=ppt/slideLayouts/slideLayout1.xml><?xml version="1.0" encoding="utf-8"?>
 <p:sldLayout xmlns:a="http://schemas.openxmlformats.org/drawingml/2006/main" xmlns:r="http://schemas.openxmlformats.org/officeDocument/2006/relationships" xmlns:p="http://schemas.openxmlformats.org/presentationml/2006/main" type="title" preserve="1">
   <p:cSld name="Diapositiva de título">
@@ -252,7 +352,7 @@
           <a:p>
             <a:fld id="{EC1C6726-6E91-4DDB-825F-34F09D188805}" type="datetimeFigureOut">
               <a:rPr lang="es-CR" smtClean="0"/>
-              <a:t>18/8/2024</a:t>
+              <a:t>19/8/2024</a:t>
             </a:fld>
             <a:endParaRPr lang="es-CR"/>
           </a:p>
@@ -539,7 +639,7 @@
           <a:p>
             <a:fld id="{EC1C6726-6E91-4DDB-825F-34F09D188805}" type="datetimeFigureOut">
               <a:rPr lang="es-CR" smtClean="0"/>
-              <a:t>18/8/2024</a:t>
+              <a:t>19/8/2024</a:t>
             </a:fld>
             <a:endParaRPr lang="es-CR"/>
           </a:p>
@@ -731,7 +831,7 @@
           <a:p>
             <a:fld id="{EC1C6726-6E91-4DDB-825F-34F09D188805}" type="datetimeFigureOut">
               <a:rPr lang="es-CR" smtClean="0"/>
-              <a:t>18/8/2024</a:t>
+              <a:t>19/8/2024</a:t>
             </a:fld>
             <a:endParaRPr lang="es-CR"/>
           </a:p>
@@ -992,7 +1092,7 @@
           <a:p>
             <a:fld id="{EC1C6726-6E91-4DDB-825F-34F09D188805}" type="datetimeFigureOut">
               <a:rPr lang="es-CR" smtClean="0"/>
-              <a:t>18/8/2024</a:t>
+              <a:t>19/8/2024</a:t>
             </a:fld>
             <a:endParaRPr lang="es-CR"/>
           </a:p>
@@ -1416,7 +1516,7 @@
           <a:p>
             <a:fld id="{EC1C6726-6E91-4DDB-825F-34F09D188805}" type="datetimeFigureOut">
               <a:rPr lang="es-CR" smtClean="0"/>
-              <a:t>18/8/2024</a:t>
+              <a:t>19/8/2024</a:t>
             </a:fld>
             <a:endParaRPr lang="es-CR"/>
           </a:p>
@@ -1962,7 +2062,7 @@
           <a:p>
             <a:fld id="{EC1C6726-6E91-4DDB-825F-34F09D188805}" type="datetimeFigureOut">
               <a:rPr lang="es-CR" smtClean="0"/>
-              <a:t>18/8/2024</a:t>
+              <a:t>19/8/2024</a:t>
             </a:fld>
             <a:endParaRPr lang="es-CR"/>
           </a:p>
@@ -2802,7 +2902,7 @@
           <a:p>
             <a:fld id="{EC1C6726-6E91-4DDB-825F-34F09D188805}" type="datetimeFigureOut">
               <a:rPr lang="es-CR" smtClean="0"/>
-              <a:t>18/8/2024</a:t>
+              <a:t>19/8/2024</a:t>
             </a:fld>
             <a:endParaRPr lang="es-CR"/>
           </a:p>
@@ -2972,7 +3072,7 @@
           <a:p>
             <a:fld id="{EC1C6726-6E91-4DDB-825F-34F09D188805}" type="datetimeFigureOut">
               <a:rPr lang="es-CR" smtClean="0"/>
-              <a:t>18/8/2024</a:t>
+              <a:t>19/8/2024</a:t>
             </a:fld>
             <a:endParaRPr lang="es-CR"/>
           </a:p>
@@ -3156,7 +3256,7 @@
           <a:p>
             <a:fld id="{EC1C6726-6E91-4DDB-825F-34F09D188805}" type="datetimeFigureOut">
               <a:rPr lang="es-CR" smtClean="0"/>
-              <a:t>18/8/2024</a:t>
+              <a:t>19/8/2024</a:t>
             </a:fld>
             <a:endParaRPr lang="es-CR"/>
           </a:p>
@@ -3326,7 +3426,7 @@
           <a:p>
             <a:fld id="{EC1C6726-6E91-4DDB-825F-34F09D188805}" type="datetimeFigureOut">
               <a:rPr lang="es-CR" smtClean="0"/>
-              <a:t>18/8/2024</a:t>
+              <a:t>19/8/2024</a:t>
             </a:fld>
             <a:endParaRPr lang="es-CR"/>
           </a:p>
@@ -3574,7 +3674,7 @@
           <a:p>
             <a:fld id="{EC1C6726-6E91-4DDB-825F-34F09D188805}" type="datetimeFigureOut">
               <a:rPr lang="es-CR" smtClean="0"/>
-              <a:t>18/8/2024</a:t>
+              <a:t>19/8/2024</a:t>
             </a:fld>
             <a:endParaRPr lang="es-CR"/>
           </a:p>
@@ -3811,7 +3911,7 @@
           <a:p>
             <a:fld id="{EC1C6726-6E91-4DDB-825F-34F09D188805}" type="datetimeFigureOut">
               <a:rPr lang="es-CR" smtClean="0"/>
-              <a:t>18/8/2024</a:t>
+              <a:t>19/8/2024</a:t>
             </a:fld>
             <a:endParaRPr lang="es-CR"/>
           </a:p>
@@ -4184,7 +4284,7 @@
           <a:p>
             <a:fld id="{EC1C6726-6E91-4DDB-825F-34F09D188805}" type="datetimeFigureOut">
               <a:rPr lang="es-CR" smtClean="0"/>
-              <a:t>18/8/2024</a:t>
+              <a:t>19/8/2024</a:t>
             </a:fld>
             <a:endParaRPr lang="es-CR"/>
           </a:p>
@@ -4302,7 +4402,7 @@
           <a:p>
             <a:fld id="{EC1C6726-6E91-4DDB-825F-34F09D188805}" type="datetimeFigureOut">
               <a:rPr lang="es-CR" smtClean="0"/>
-              <a:t>18/8/2024</a:t>
+              <a:t>19/8/2024</a:t>
             </a:fld>
             <a:endParaRPr lang="es-CR"/>
           </a:p>
@@ -4397,7 +4497,7 @@
           <a:p>
             <a:fld id="{EC1C6726-6E91-4DDB-825F-34F09D188805}" type="datetimeFigureOut">
               <a:rPr lang="es-CR" smtClean="0"/>
-              <a:t>18/8/2024</a:t>
+              <a:t>19/8/2024</a:t>
             </a:fld>
             <a:endParaRPr lang="es-CR"/>
           </a:p>
@@ -4648,7 +4748,7 @@
           <a:p>
             <a:fld id="{EC1C6726-6E91-4DDB-825F-34F09D188805}" type="datetimeFigureOut">
               <a:rPr lang="es-CR" smtClean="0"/>
-              <a:t>18/8/2024</a:t>
+              <a:t>19/8/2024</a:t>
             </a:fld>
             <a:endParaRPr lang="es-CR"/>
           </a:p>
@@ -4935,7 +5035,7 @@
           <a:p>
             <a:fld id="{EC1C6726-6E91-4DDB-825F-34F09D188805}" type="datetimeFigureOut">
               <a:rPr lang="es-CR" smtClean="0"/>
-              <a:t>18/8/2024</a:t>
+              <a:t>19/8/2024</a:t>
             </a:fld>
             <a:endParaRPr lang="es-CR"/>
           </a:p>
@@ -5148,7 +5248,7 @@
           <a:p>
             <a:fld id="{EC1C6726-6E91-4DDB-825F-34F09D188805}" type="datetimeFigureOut">
               <a:rPr lang="es-CR" smtClean="0"/>
-              <a:t>18/8/2024</a:t>
+              <a:t>19/8/2024</a:t>
             </a:fld>
             <a:endParaRPr lang="es-CR"/>
           </a:p>
@@ -6121,7 +6221,7 @@
           <a:p>
             <a:r>
               <a:rPr lang="es-MX" dirty="0"/>
-              <a:t>Plan Nacional de Asignación de frecuencias</a:t>
+              <a:t>Plan Nacional de Atribución de frecuencias</a:t>
             </a:r>
             <a:endParaRPr lang="es-CR" dirty="0"/>
           </a:p>
@@ -6145,13 +6245,127 @@
         </p:nvSpPr>
         <p:spPr/>
         <p:txBody>
-          <a:bodyPr/>
-          <a:lstStyle/>
-          <a:p>
-            <a:endParaRPr lang="es-CR"/>
-          </a:p>
-        </p:txBody>
-      </p:sp>
+          <a:bodyPr>
+            <a:normAutofit lnSpcReduction="10000"/>
+          </a:bodyPr>
+          <a:lstStyle/>
+          <a:p>
+            <a:r>
+              <a:rPr lang="es-CR" dirty="0"/>
+              <a:t>Título 1</a:t>
+            </a:r>
+          </a:p>
+          <a:p>
+            <a:pPr lvl="1"/>
+            <a:r>
+              <a:rPr lang="es-CR" dirty="0"/>
+              <a:t>Aspectos generales</a:t>
+            </a:r>
+          </a:p>
+          <a:p>
+            <a:pPr lvl="2"/>
+            <a:r>
+              <a:rPr lang="es-CR" dirty="0"/>
+              <a:t>Objetivo</a:t>
+            </a:r>
+          </a:p>
+          <a:p>
+            <a:pPr lvl="2"/>
+            <a:r>
+              <a:rPr lang="es-CR" dirty="0"/>
+              <a:t>Alcance</a:t>
+            </a:r>
+          </a:p>
+          <a:p>
+            <a:pPr lvl="2"/>
+            <a:r>
+              <a:rPr lang="es-CR" dirty="0"/>
+              <a:t>Autoridad competente</a:t>
+            </a:r>
+          </a:p>
+          <a:p>
+            <a:r>
+              <a:rPr lang="es-CR" dirty="0"/>
+              <a:t>Título 2</a:t>
+            </a:r>
+          </a:p>
+          <a:p>
+            <a:pPr lvl="1"/>
+            <a:r>
+              <a:rPr lang="es-CR" dirty="0"/>
+              <a:t>Definiciones</a:t>
+            </a:r>
+          </a:p>
+          <a:p>
+            <a:pPr lvl="2"/>
+            <a:r>
+              <a:rPr lang="es-CR" dirty="0"/>
+              <a:t>Altura efectiva</a:t>
+            </a:r>
+          </a:p>
+          <a:p>
+            <a:pPr lvl="2"/>
+            <a:r>
+              <a:rPr lang="es-CR" dirty="0"/>
+              <a:t>Ancho de banda</a:t>
+            </a:r>
+          </a:p>
+          <a:p>
+            <a:pPr lvl="2"/>
+            <a:r>
+              <a:rPr lang="es-CR" dirty="0"/>
+              <a:t>FDD, TDD, OFDM</a:t>
+            </a:r>
+          </a:p>
+        </p:txBody>
+      </p:sp>
+      <p:pic>
+        <p:nvPicPr>
+          <p:cNvPr id="1026" name="Picture 2" descr="frequency division duplex (FDD) :: ITWissen.info">
+            <a:extLst>
+              <a:ext uri="{FF2B5EF4-FFF2-40B4-BE49-F238E27FC236}">
+                <a16:creationId xmlns:a16="http://schemas.microsoft.com/office/drawing/2014/main" id="{ADCEAEEF-1B22-FDB4-A556-9C7DEBD7DCA8}"/>
+              </a:ext>
+            </a:extLst>
+          </p:cNvPr>
+          <p:cNvPicPr>
+            <a:picLocks noChangeAspect="1" noChangeArrowheads="1"/>
+          </p:cNvPicPr>
+          <p:nvPr/>
+        </p:nvPicPr>
+        <p:blipFill>
+          <a:blip r:embed="rId2">
+            <a:extLst>
+              <a:ext uri="{28A0092B-C50C-407E-A947-70E740481C1C}">
+                <a14:useLocalDpi xmlns:a14="http://schemas.microsoft.com/office/drawing/2010/main" val="0"/>
+              </a:ext>
+            </a:extLst>
+          </a:blip>
+          <a:srcRect/>
+          <a:stretch>
+            <a:fillRect/>
+          </a:stretch>
+        </p:blipFill>
+        <p:spPr bwMode="auto">
+          <a:xfrm>
+            <a:off x="5728227" y="1935921"/>
+            <a:ext cx="5549978" cy="3695136"/>
+          </a:xfrm>
+          <a:prstGeom prst="rect">
+            <a:avLst/>
+          </a:prstGeom>
+          <a:noFill/>
+          <a:extLst>
+            <a:ext uri="{909E8E84-426E-40DD-AFC4-6F175D3DCCD1}">
+              <a14:hiddenFill xmlns:a14="http://schemas.microsoft.com/office/drawing/2010/main">
+                <a:solidFill>
+                  <a:srgbClr val="FFFFFF"/>
+                </a:solidFill>
+              </a14:hiddenFill>
+            </a:ext>
+          </a:extLst>
+        </p:spPr>
+      </p:pic>
     </p:spTree>
     <p:extLst>
       <p:ext uri="{BB962C8B-B14F-4D97-AF65-F5344CB8AC3E}">
@@ -6184,39 +6398,6 @@
       </p:grpSpPr>
       <p:sp>
         <p:nvSpPr>
-          <p:cNvPr id="2" name="Título 1">
-            <a:extLst>
-              <a:ext uri="{FF2B5EF4-FFF2-40B4-BE49-F238E27FC236}">
-                <a16:creationId xmlns:a16="http://schemas.microsoft.com/office/drawing/2014/main" id="{1F0C5861-666B-AA08-39E2-827DBB9DEA18}"/>
-              </a:ext>
-            </a:extLst>
-          </p:cNvPr>
-          <p:cNvSpPr>
-            <a:spLocks noGrp="1"/>
-          </p:cNvSpPr>
-          <p:nvPr>
-            <p:ph type="title"/>
-          </p:nvPr>
-        </p:nvSpPr>
-        <p:spPr/>
-        <p:txBody>
-          <a:bodyPr/>
-          <a:lstStyle/>
-          <a:p>
-            <a:r>
-              <a:rPr lang="es-CR" dirty="0"/>
-              <a:t>Long </a:t>
-            </a:r>
-            <a:r>
-              <a:rPr lang="es-CR" dirty="0" err="1"/>
-              <a:t>Range</a:t>
-            </a:r>
-            <a:endParaRPr lang="es-CR" dirty="0"/>
-          </a:p>
-        </p:txBody>
-      </p:sp>
-      <p:sp>
-        <p:nvSpPr>
           <p:cNvPr id="3" name="Marcador de contenido 2">
             <a:extLst>
               <a:ext uri="{FF2B5EF4-FFF2-40B4-BE49-F238E27FC236}">
@@ -6231,19 +6412,121 @@
             <p:ph idx="1"/>
           </p:nvPr>
         </p:nvSpPr>
-        <p:spPr/>
-        <p:txBody>
-          <a:bodyPr/>
-          <a:lstStyle/>
-          <a:p>
-            <a:endParaRPr lang="es-CR"/>
-          </a:p>
-        </p:txBody>
-      </p:sp>
+        <p:spPr>
+          <a:xfrm>
+            <a:off x="913795" y="1143075"/>
+            <a:ext cx="5424660" cy="4648125"/>
+          </a:xfrm>
+        </p:spPr>
+        <p:txBody>
+          <a:bodyPr>
+            <a:normAutofit lnSpcReduction="10000"/>
+          </a:bodyPr>
+          <a:lstStyle/>
+          <a:p>
+            <a:r>
+              <a:rPr lang="es-CR" dirty="0"/>
+              <a:t>Título 3</a:t>
+            </a:r>
+          </a:p>
+          <a:p>
+            <a:pPr lvl="1"/>
+            <a:r>
+              <a:rPr lang="es-CR" dirty="0"/>
+              <a:t>Consideraciones generales</a:t>
+            </a:r>
+          </a:p>
+          <a:p>
+            <a:pPr lvl="2"/>
+            <a:r>
+              <a:rPr lang="es-CR" dirty="0"/>
+              <a:t>Dominio público</a:t>
+            </a:r>
+          </a:p>
+          <a:p>
+            <a:pPr lvl="2"/>
+            <a:r>
+              <a:rPr lang="es-CR" dirty="0"/>
+              <a:t>Clasificación del espectro</a:t>
+            </a:r>
+          </a:p>
+          <a:p>
+            <a:pPr lvl="2"/>
+            <a:r>
+              <a:rPr lang="es-CR" dirty="0"/>
+              <a:t>Uso eficiente del espectro</a:t>
+            </a:r>
+          </a:p>
+          <a:p>
+            <a:r>
+              <a:rPr lang="es-CR" dirty="0"/>
+              <a:t>Título 4</a:t>
+            </a:r>
+          </a:p>
+          <a:p>
+            <a:pPr lvl="1"/>
+            <a:r>
+              <a:rPr lang="es-CR" dirty="0"/>
+              <a:t>Conceptos generales</a:t>
+            </a:r>
+          </a:p>
+          <a:p>
+            <a:pPr lvl="2"/>
+            <a:r>
+              <a:rPr lang="es-CR" dirty="0"/>
+              <a:t>Regiones y zonas para la atribución de frecuencias</a:t>
+            </a:r>
+          </a:p>
+          <a:p>
+            <a:pPr lvl="1"/>
+            <a:r>
+              <a:rPr lang="es-CR" dirty="0"/>
+              <a:t>Categoría de los servicios y de las atribuciones</a:t>
+            </a:r>
+          </a:p>
+          <a:p>
+            <a:pPr lvl="1"/>
+            <a:r>
+              <a:rPr lang="es-CR" dirty="0"/>
+              <a:t>Cuadro Nacional de Atribución de Frecuencias</a:t>
+            </a:r>
+          </a:p>
+        </p:txBody>
+      </p:sp>
+      <p:pic>
+        <p:nvPicPr>
+          <p:cNvPr id="5" name="Imagen 4">
+            <a:extLst>
+              <a:ext uri="{FF2B5EF4-FFF2-40B4-BE49-F238E27FC236}">
+                <a16:creationId xmlns:a16="http://schemas.microsoft.com/office/drawing/2014/main" id="{DE8594F4-F0FB-F6B6-98E6-FD380CCDB7B0}"/>
+              </a:ext>
+            </a:extLst>
+          </p:cNvPr>
+          <p:cNvPicPr>
+            <a:picLocks noChangeAspect="1"/>
+          </p:cNvPicPr>
+          <p:nvPr/>
+        </p:nvPicPr>
+        <p:blipFill>
+          <a:blip r:embed="rId2"/>
+          <a:stretch>
+            <a:fillRect/>
+          </a:stretch>
+        </p:blipFill>
+        <p:spPr>
+          <a:xfrm>
+            <a:off x="6096000" y="1143075"/>
+            <a:ext cx="5424660" cy="4430830"/>
+          </a:xfrm>
+          <a:prstGeom prst="rect">
+            <a:avLst/>
+          </a:prstGeom>
+        </p:spPr>
+      </p:pic>
     </p:spTree>
     <p:extLst>
       <p:ext uri="{BB962C8B-B14F-4D97-AF65-F5344CB8AC3E}">
-        <p14:creationId xmlns:p14="http://schemas.microsoft.com/office/powerpoint/2010/main" val="1902594791"/>
+        <p14:creationId xmlns:p14="http://schemas.microsoft.com/office/powerpoint/2010/main" val="2889755904"/>
       </p:ext>
     </p:extLst>
   </p:cSld>
@@ -6292,8 +6575,12 @@
           <a:lstStyle/>
           <a:p>
             <a:r>
+              <a:rPr lang="es-CR" dirty="0"/>
+              <a:t>Long </a:t>
+            </a:r>
+            <a:r>
               <a:rPr lang="es-CR" dirty="0" err="1"/>
-              <a:t>Meshtastic</a:t>
+              <a:t>Range</a:t>
             </a:r>
             <a:endParaRPr lang="es-CR" dirty="0"/>
           </a:p>
@@ -6327,7 +6614,7 @@
     </p:spTree>
     <p:extLst>
       <p:ext uri="{BB962C8B-B14F-4D97-AF65-F5344CB8AC3E}">
-        <p14:creationId xmlns:p14="http://schemas.microsoft.com/office/powerpoint/2010/main" val="2472684638"/>
+        <p14:creationId xmlns:p14="http://schemas.microsoft.com/office/powerpoint/2010/main" val="1902594791"/>
       </p:ext>
     </p:extLst>
   </p:cSld>
@@ -6376,6 +6663,90 @@
           <a:lstStyle/>
           <a:p>
             <a:r>
+              <a:rPr lang="es-CR" dirty="0" err="1"/>
+              <a:t>Meshtastic</a:t>
+            </a:r>
+            <a:endParaRPr lang="es-CR" dirty="0"/>
+          </a:p>
+        </p:txBody>
+      </p:sp>
+      <p:sp>
+        <p:nvSpPr>
+          <p:cNvPr id="3" name="Marcador de contenido 2">
+            <a:extLst>
+              <a:ext uri="{FF2B5EF4-FFF2-40B4-BE49-F238E27FC236}">
+                <a16:creationId xmlns:a16="http://schemas.microsoft.com/office/drawing/2014/main" id="{3A39B3F5-1F82-382A-197A-C6EC700308D4}"/>
+              </a:ext>
+            </a:extLst>
+          </p:cNvPr>
+          <p:cNvSpPr>
+            <a:spLocks noGrp="1"/>
+          </p:cNvSpPr>
+          <p:nvPr>
+            <p:ph idx="1"/>
+          </p:nvPr>
+        </p:nvSpPr>
+        <p:spPr/>
+        <p:txBody>
+          <a:bodyPr/>
+          <a:lstStyle/>
+          <a:p>
+            <a:endParaRPr lang="es-CR"/>
+          </a:p>
+        </p:txBody>
+      </p:sp>
+    </p:spTree>
+    <p:extLst>
+      <p:ext uri="{BB962C8B-B14F-4D97-AF65-F5344CB8AC3E}">
+        <p14:creationId xmlns:p14="http://schemas.microsoft.com/office/powerpoint/2010/main" val="2472684638"/>
+      </p:ext>
+    </p:extLst>
+  </p:cSld>
+  <p:clrMapOvr>
+    <a:masterClrMapping/>
+  </p:clrMapOvr>
+</p:sld>
+</file>
+
+<file path=ppt/slides/slide8.xml><?xml version="1.0" encoding="utf-8"?>
+<p:sld xmlns:a="http://schemas.openxmlformats.org/drawingml/2006/main" xmlns:r="http://schemas.openxmlformats.org/officeDocument/2006/relationships" xmlns:p="http://schemas.openxmlformats.org/presentationml/2006/main">
+  <p:cSld>
+    <p:spTree>
+      <p:nvGrpSpPr>
+        <p:cNvPr id="1" name=""/>
+        <p:cNvGrpSpPr/>
+        <p:nvPr/>
+      </p:nvGrpSpPr>
+      <p:grpSpPr>
+        <a:xfrm>
+          <a:off x="0" y="0"/>
+          <a:ext cx="0" cy="0"/>
+          <a:chOff x="0" y="0"/>
+          <a:chExt cx="0" cy="0"/>
+        </a:xfrm>
+      </p:grpSpPr>
+      <p:sp>
+        <p:nvSpPr>
+          <p:cNvPr id="2" name="Título 1">
+            <a:extLst>
+              <a:ext uri="{FF2B5EF4-FFF2-40B4-BE49-F238E27FC236}">
+                <a16:creationId xmlns:a16="http://schemas.microsoft.com/office/drawing/2014/main" id="{1F0C5861-666B-AA08-39E2-827DBB9DEA18}"/>
+              </a:ext>
+            </a:extLst>
+          </p:cNvPr>
+          <p:cNvSpPr>
+            <a:spLocks noGrp="1"/>
+          </p:cNvSpPr>
+          <p:nvPr>
+            <p:ph type="title"/>
+          </p:nvPr>
+        </p:nvSpPr>
+        <p:spPr/>
+        <p:txBody>
+          <a:bodyPr/>
+          <a:lstStyle/>
+          <a:p>
+            <a:r>
               <a:rPr lang="es-CR" dirty="0"/>
               <a:t>ESP32</a:t>
             </a:r>
@@ -6420,7 +6791,7 @@
 </p:sld>
 </file>
 
-<file path=ppt/slides/slide8.xml><?xml version="1.0" encoding="utf-8"?>
+<file path=ppt/slides/slide9.xml><?xml version="1.0" encoding="utf-8"?>
 <p:sld xmlns:a="http://schemas.openxmlformats.org/drawingml/2006/main" xmlns:r="http://schemas.openxmlformats.org/officeDocument/2006/relationships" xmlns:p="http://schemas.openxmlformats.org/presentationml/2006/main">
   <p:cSld>
     <p:spTree>

--- a/Conceptos previos.pptx
+++ b/Conceptos previos.pptx
@@ -4,16 +4,24 @@
   <p:sldMasterIdLst>
     <p:sldMasterId id="2147483690" r:id="rId1"/>
   </p:sldMasterIdLst>
+  <p:notesMasterIdLst>
+    <p:notesMasterId r:id="rId16"/>
+  </p:notesMasterIdLst>
   <p:sldIdLst>
     <p:sldId id="256" r:id="rId2"/>
     <p:sldId id="257" r:id="rId3"/>
     <p:sldId id="258" r:id="rId4"/>
     <p:sldId id="259" r:id="rId5"/>
     <p:sldId id="264" r:id="rId6"/>
-    <p:sldId id="260" r:id="rId7"/>
-    <p:sldId id="263" r:id="rId8"/>
-    <p:sldId id="261" r:id="rId9"/>
-    <p:sldId id="262" r:id="rId10"/>
+    <p:sldId id="265" r:id="rId7"/>
+    <p:sldId id="266" r:id="rId8"/>
+    <p:sldId id="267" r:id="rId9"/>
+    <p:sldId id="268" r:id="rId10"/>
+    <p:sldId id="260" r:id="rId11"/>
+    <p:sldId id="269" r:id="rId12"/>
+    <p:sldId id="263" r:id="rId13"/>
+    <p:sldId id="261" r:id="rId14"/>
+    <p:sldId id="262" r:id="rId15"/>
   </p:sldIdLst>
   <p:sldSz cx="12192000" cy="6858000"/>
   <p:notesSz cx="6858000" cy="9144000"/>
@@ -123,7 +131,7 @@
 <file path=ppt/revisionInfo.xml><?xml version="1.0" encoding="utf-8"?>
 <p1510:revInfo xmlns:a="http://schemas.openxmlformats.org/drawingml/2006/main" xmlns:r="http://schemas.openxmlformats.org/officeDocument/2006/relationships" xmlns:p1510="http://schemas.microsoft.com/office/powerpoint/2015/10/main">
   <p1510:revLst>
-    <p1510:client id="{0CBCA147-A870-4DC4-9EA5-70DB79B76C13}" v="3" dt="2024-08-20T02:12:19.616"/>
+    <p1510:client id="{0CBCA147-A870-4DC4-9EA5-70DB79B76C13}" v="4" dt="2024-08-20T03:11:17.339"/>
   </p1510:revLst>
 </p1510:revInfo>
 </file>
@@ -133,7 +141,7 @@
   <pc:docChgLst>
     <pc:chgData name="FONSECA CRUZ TOBIAS" userId="389bc5bc-2a32-4f44-bd9d-84dc2e97d869" providerId="ADAL" clId="{0CBCA147-A870-4DC4-9EA5-70DB79B76C13}"/>
     <pc:docChg chg="undo custSel addSld delSld modSld">
-      <pc:chgData name="FONSECA CRUZ TOBIAS" userId="389bc5bc-2a32-4f44-bd9d-84dc2e97d869" providerId="ADAL" clId="{0CBCA147-A870-4DC4-9EA5-70DB79B76C13}" dt="2024-08-20T02:12:19.615" v="509" actId="1076"/>
+      <pc:chgData name="FONSECA CRUZ TOBIAS" userId="389bc5bc-2a32-4f44-bd9d-84dc2e97d869" providerId="ADAL" clId="{0CBCA147-A870-4DC4-9EA5-70DB79B76C13}" dt="2024-08-20T03:23:54.895" v="758" actId="26606"/>
       <pc:docMkLst>
         <pc:docMk/>
       </pc:docMkLst>
@@ -167,6 +175,21 @@
             <ac:picMk id="1026" creationId="{ADCEAEEF-1B22-FDB4-A556-9C7DEBD7DCA8}"/>
           </ac:picMkLst>
         </pc:picChg>
+      </pc:sldChg>
+      <pc:sldChg chg="modSp mod">
+        <pc:chgData name="FONSECA CRUZ TOBIAS" userId="389bc5bc-2a32-4f44-bd9d-84dc2e97d869" providerId="ADAL" clId="{0CBCA147-A870-4DC4-9EA5-70DB79B76C13}" dt="2024-08-20T03:20:51.342" v="752" actId="20577"/>
+        <pc:sldMkLst>
+          <pc:docMk/>
+          <pc:sldMk cId="1902594791" sldId="260"/>
+        </pc:sldMkLst>
+        <pc:spChg chg="mod">
+          <ac:chgData name="FONSECA CRUZ TOBIAS" userId="389bc5bc-2a32-4f44-bd9d-84dc2e97d869" providerId="ADAL" clId="{0CBCA147-A870-4DC4-9EA5-70DB79B76C13}" dt="2024-08-20T03:20:51.342" v="752" actId="20577"/>
+          <ac:spMkLst>
+            <pc:docMk/>
+            <pc:sldMk cId="1902594791" sldId="260"/>
+            <ac:spMk id="3" creationId="{3A39B3F5-1F82-382A-197A-C6EC700308D4}"/>
+          </ac:spMkLst>
+        </pc:spChg>
       </pc:sldChg>
       <pc:sldChg chg="new del">
         <pc:chgData name="FONSECA CRUZ TOBIAS" userId="389bc5bc-2a32-4f44-bd9d-84dc2e97d869" providerId="ADAL" clId="{0CBCA147-A870-4DC4-9EA5-70DB79B76C13}" dt="2024-08-20T01:59:08.896" v="96" actId="680"/>
@@ -214,9 +237,710 @@
           </ac:picMkLst>
         </pc:picChg>
       </pc:sldChg>
+      <pc:sldChg chg="addSp modSp new mod">
+        <pc:chgData name="FONSECA CRUZ TOBIAS" userId="389bc5bc-2a32-4f44-bd9d-84dc2e97d869" providerId="ADAL" clId="{0CBCA147-A870-4DC4-9EA5-70DB79B76C13}" dt="2024-08-20T03:03:33.339" v="514" actId="1076"/>
+        <pc:sldMkLst>
+          <pc:docMk/>
+          <pc:sldMk cId="3968347448" sldId="265"/>
+        </pc:sldMkLst>
+        <pc:picChg chg="add mod">
+          <ac:chgData name="FONSECA CRUZ TOBIAS" userId="389bc5bc-2a32-4f44-bd9d-84dc2e97d869" providerId="ADAL" clId="{0CBCA147-A870-4DC4-9EA5-70DB79B76C13}" dt="2024-08-20T03:03:21.765" v="512" actId="1076"/>
+          <ac:picMkLst>
+            <pc:docMk/>
+            <pc:sldMk cId="3968347448" sldId="265"/>
+            <ac:picMk id="3" creationId="{C41CFFFD-EE90-448D-5442-D56CD7DEFF0B}"/>
+          </ac:picMkLst>
+        </pc:picChg>
+        <pc:picChg chg="add mod">
+          <ac:chgData name="FONSECA CRUZ TOBIAS" userId="389bc5bc-2a32-4f44-bd9d-84dc2e97d869" providerId="ADAL" clId="{0CBCA147-A870-4DC4-9EA5-70DB79B76C13}" dt="2024-08-20T03:03:33.339" v="514" actId="1076"/>
+          <ac:picMkLst>
+            <pc:docMk/>
+            <pc:sldMk cId="3968347448" sldId="265"/>
+            <ac:picMk id="5" creationId="{18DCD227-2D84-5372-0097-E71E79C2C4BF}"/>
+          </ac:picMkLst>
+        </pc:picChg>
+      </pc:sldChg>
+      <pc:sldChg chg="addSp modSp new mod modNotesTx">
+        <pc:chgData name="FONSECA CRUZ TOBIAS" userId="389bc5bc-2a32-4f44-bd9d-84dc2e97d869" providerId="ADAL" clId="{0CBCA147-A870-4DC4-9EA5-70DB79B76C13}" dt="2024-08-20T03:08:48.824" v="530"/>
+        <pc:sldMkLst>
+          <pc:docMk/>
+          <pc:sldMk cId="470304857" sldId="266"/>
+        </pc:sldMkLst>
+        <pc:picChg chg="add mod">
+          <ac:chgData name="FONSECA CRUZ TOBIAS" userId="389bc5bc-2a32-4f44-bd9d-84dc2e97d869" providerId="ADAL" clId="{0CBCA147-A870-4DC4-9EA5-70DB79B76C13}" dt="2024-08-20T03:05:09.502" v="520" actId="1076"/>
+          <ac:picMkLst>
+            <pc:docMk/>
+            <pc:sldMk cId="470304857" sldId="266"/>
+            <ac:picMk id="3" creationId="{B4D644B0-8003-6109-C6E0-BF33506EE465}"/>
+          </ac:picMkLst>
+        </pc:picChg>
+        <pc:picChg chg="add mod">
+          <ac:chgData name="FONSECA CRUZ TOBIAS" userId="389bc5bc-2a32-4f44-bd9d-84dc2e97d869" providerId="ADAL" clId="{0CBCA147-A870-4DC4-9EA5-70DB79B76C13}" dt="2024-08-20T03:08:08.335" v="524" actId="1076"/>
+          <ac:picMkLst>
+            <pc:docMk/>
+            <pc:sldMk cId="470304857" sldId="266"/>
+            <ac:picMk id="5" creationId="{DD7B68F5-5AFD-7422-30C5-D5C659226B0E}"/>
+          </ac:picMkLst>
+        </pc:picChg>
+      </pc:sldChg>
+      <pc:sldChg chg="addSp modSp new mod">
+        <pc:chgData name="FONSECA CRUZ TOBIAS" userId="389bc5bc-2a32-4f44-bd9d-84dc2e97d869" providerId="ADAL" clId="{0CBCA147-A870-4DC4-9EA5-70DB79B76C13}" dt="2024-08-20T03:11:03.238" v="537" actId="1076"/>
+        <pc:sldMkLst>
+          <pc:docMk/>
+          <pc:sldMk cId="3770852599" sldId="267"/>
+        </pc:sldMkLst>
+        <pc:picChg chg="add mod">
+          <ac:chgData name="FONSECA CRUZ TOBIAS" userId="389bc5bc-2a32-4f44-bd9d-84dc2e97d869" providerId="ADAL" clId="{0CBCA147-A870-4DC4-9EA5-70DB79B76C13}" dt="2024-08-20T03:10:39.950" v="533" actId="1076"/>
+          <ac:picMkLst>
+            <pc:docMk/>
+            <pc:sldMk cId="3770852599" sldId="267"/>
+            <ac:picMk id="3" creationId="{D12DE61C-E9E8-A678-710C-5F44FB6452A9}"/>
+          </ac:picMkLst>
+        </pc:picChg>
+        <pc:picChg chg="add mod">
+          <ac:chgData name="FONSECA CRUZ TOBIAS" userId="389bc5bc-2a32-4f44-bd9d-84dc2e97d869" providerId="ADAL" clId="{0CBCA147-A870-4DC4-9EA5-70DB79B76C13}" dt="2024-08-20T03:10:51.234" v="535" actId="1076"/>
+          <ac:picMkLst>
+            <pc:docMk/>
+            <pc:sldMk cId="3770852599" sldId="267"/>
+            <ac:picMk id="5" creationId="{0F54C741-94E7-0BA8-5A6B-08E1AC0C905B}"/>
+          </ac:picMkLst>
+        </pc:picChg>
+        <pc:picChg chg="add mod">
+          <ac:chgData name="FONSECA CRUZ TOBIAS" userId="389bc5bc-2a32-4f44-bd9d-84dc2e97d869" providerId="ADAL" clId="{0CBCA147-A870-4DC4-9EA5-70DB79B76C13}" dt="2024-08-20T03:11:03.238" v="537" actId="1076"/>
+          <ac:picMkLst>
+            <pc:docMk/>
+            <pc:sldMk cId="3770852599" sldId="267"/>
+            <ac:picMk id="7" creationId="{8D339753-9183-C466-364C-38700976339B}"/>
+          </ac:picMkLst>
+        </pc:picChg>
+      </pc:sldChg>
+      <pc:sldChg chg="addSp modSp new mod">
+        <pc:chgData name="FONSECA CRUZ TOBIAS" userId="389bc5bc-2a32-4f44-bd9d-84dc2e97d869" providerId="ADAL" clId="{0CBCA147-A870-4DC4-9EA5-70DB79B76C13}" dt="2024-08-20T03:12:21.067" v="555" actId="1076"/>
+        <pc:sldMkLst>
+          <pc:docMk/>
+          <pc:sldMk cId="3635948718" sldId="268"/>
+        </pc:sldMkLst>
+        <pc:picChg chg="add mod">
+          <ac:chgData name="FONSECA CRUZ TOBIAS" userId="389bc5bc-2a32-4f44-bd9d-84dc2e97d869" providerId="ADAL" clId="{0CBCA147-A870-4DC4-9EA5-70DB79B76C13}" dt="2024-08-20T03:11:17.339" v="539"/>
+          <ac:picMkLst>
+            <pc:docMk/>
+            <pc:sldMk cId="3635948718" sldId="268"/>
+            <ac:picMk id="2" creationId="{65AD4390-E022-147A-411D-83CB9FDED1E8}"/>
+          </ac:picMkLst>
+        </pc:picChg>
+        <pc:picChg chg="add mod">
+          <ac:chgData name="FONSECA CRUZ TOBIAS" userId="389bc5bc-2a32-4f44-bd9d-84dc2e97d869" providerId="ADAL" clId="{0CBCA147-A870-4DC4-9EA5-70DB79B76C13}" dt="2024-08-20T03:11:40.195" v="542" actId="1076"/>
+          <ac:picMkLst>
+            <pc:docMk/>
+            <pc:sldMk cId="3635948718" sldId="268"/>
+            <ac:picMk id="4" creationId="{A59C515D-A51D-C12C-7D2E-CE097A02EFD9}"/>
+          </ac:picMkLst>
+        </pc:picChg>
+        <pc:picChg chg="add mod">
+          <ac:chgData name="FONSECA CRUZ TOBIAS" userId="389bc5bc-2a32-4f44-bd9d-84dc2e97d869" providerId="ADAL" clId="{0CBCA147-A870-4DC4-9EA5-70DB79B76C13}" dt="2024-08-20T03:12:20" v="554" actId="1076"/>
+          <ac:picMkLst>
+            <pc:docMk/>
+            <pc:sldMk cId="3635948718" sldId="268"/>
+            <ac:picMk id="6" creationId="{92AFA8FC-23D4-2FB3-0BCE-A5CA8D4B86F2}"/>
+          </ac:picMkLst>
+        </pc:picChg>
+        <pc:picChg chg="add mod">
+          <ac:chgData name="FONSECA CRUZ TOBIAS" userId="389bc5bc-2a32-4f44-bd9d-84dc2e97d869" providerId="ADAL" clId="{0CBCA147-A870-4DC4-9EA5-70DB79B76C13}" dt="2024-08-20T03:12:21.067" v="555" actId="1076"/>
+          <ac:picMkLst>
+            <pc:docMk/>
+            <pc:sldMk cId="3635948718" sldId="268"/>
+            <ac:picMk id="8" creationId="{64D68F75-4897-5398-E347-381B17C4B016}"/>
+          </ac:picMkLst>
+        </pc:picChg>
+      </pc:sldChg>
+      <pc:sldChg chg="addSp modSp new mod setBg">
+        <pc:chgData name="FONSECA CRUZ TOBIAS" userId="389bc5bc-2a32-4f44-bd9d-84dc2e97d869" providerId="ADAL" clId="{0CBCA147-A870-4DC4-9EA5-70DB79B76C13}" dt="2024-08-20T03:23:54.895" v="758" actId="26606"/>
+        <pc:sldMkLst>
+          <pc:docMk/>
+          <pc:sldMk cId="3014421031" sldId="269"/>
+        </pc:sldMkLst>
+        <pc:picChg chg="add mod">
+          <ac:chgData name="FONSECA CRUZ TOBIAS" userId="389bc5bc-2a32-4f44-bd9d-84dc2e97d869" providerId="ADAL" clId="{0CBCA147-A870-4DC4-9EA5-70DB79B76C13}" dt="2024-08-20T03:23:54.895" v="758" actId="26606"/>
+          <ac:picMkLst>
+            <pc:docMk/>
+            <pc:sldMk cId="3014421031" sldId="269"/>
+            <ac:picMk id="3" creationId="{FF027F1D-EB2C-9A73-C15C-B327E565EC87}"/>
+          </ac:picMkLst>
+        </pc:picChg>
+        <pc:picChg chg="add mod">
+          <ac:chgData name="FONSECA CRUZ TOBIAS" userId="389bc5bc-2a32-4f44-bd9d-84dc2e97d869" providerId="ADAL" clId="{0CBCA147-A870-4DC4-9EA5-70DB79B76C13}" dt="2024-08-20T03:23:54.895" v="758" actId="26606"/>
+          <ac:picMkLst>
+            <pc:docMk/>
+            <pc:sldMk cId="3014421031" sldId="269"/>
+            <ac:picMk id="5" creationId="{79DD6E62-E40E-A276-B575-4FBD77E0FB86}"/>
+          </ac:picMkLst>
+        </pc:picChg>
+      </pc:sldChg>
     </pc:docChg>
   </pc:docChgLst>
 </pc:chgInfo>
+</file>
+
+<file path=ppt/notesMasters/notesMaster1.xml><?xml version="1.0" encoding="utf-8"?>
+<p:notesMaster xmlns:a="http://schemas.openxmlformats.org/drawingml/2006/main" xmlns:r="http://schemas.openxmlformats.org/officeDocument/2006/relationships" xmlns:p="http://schemas.openxmlformats.org/presentationml/2006/main">
+  <p:cSld>
+    <p:bg>
+      <p:bgRef idx="1001">
+        <a:schemeClr val="bg1"/>
+      </p:bgRef>
+    </p:bg>
+    <p:spTree>
+      <p:nvGrpSpPr>
+        <p:cNvPr id="1" name=""/>
+        <p:cNvGrpSpPr/>
+        <p:nvPr/>
+      </p:nvGrpSpPr>
+      <p:grpSpPr>
+        <a:xfrm>
+          <a:off x="0" y="0"/>
+          <a:ext cx="0" cy="0"/>
+          <a:chOff x="0" y="0"/>
+          <a:chExt cx="0" cy="0"/>
+        </a:xfrm>
+      </p:grpSpPr>
+      <p:sp>
+        <p:nvSpPr>
+          <p:cNvPr id="2" name="Marcador de encabezado 1"/>
+          <p:cNvSpPr>
+            <a:spLocks noGrp="1"/>
+          </p:cNvSpPr>
+          <p:nvPr>
+            <p:ph type="hdr" sz="quarter"/>
+          </p:nvPr>
+        </p:nvSpPr>
+        <p:spPr>
+          <a:xfrm>
+            <a:off x="0" y="0"/>
+            <a:ext cx="2971800" cy="458788"/>
+          </a:xfrm>
+          <a:prstGeom prst="rect">
+            <a:avLst/>
+          </a:prstGeom>
+        </p:spPr>
+        <p:txBody>
+          <a:bodyPr vert="horz" lIns="91440" tIns="45720" rIns="91440" bIns="45720" rtlCol="0"/>
+          <a:lstStyle>
+            <a:lvl1pPr algn="l">
+              <a:defRPr sz="1200"/>
+            </a:lvl1pPr>
+          </a:lstStyle>
+          <a:p>
+            <a:endParaRPr lang="es-CR"/>
+          </a:p>
+        </p:txBody>
+      </p:sp>
+      <p:sp>
+        <p:nvSpPr>
+          <p:cNvPr id="3" name="Marcador de fecha 2"/>
+          <p:cNvSpPr>
+            <a:spLocks noGrp="1"/>
+          </p:cNvSpPr>
+          <p:nvPr>
+            <p:ph type="dt" idx="1"/>
+          </p:nvPr>
+        </p:nvSpPr>
+        <p:spPr>
+          <a:xfrm>
+            <a:off x="3884613" y="0"/>
+            <a:ext cx="2971800" cy="458788"/>
+          </a:xfrm>
+          <a:prstGeom prst="rect">
+            <a:avLst/>
+          </a:prstGeom>
+        </p:spPr>
+        <p:txBody>
+          <a:bodyPr vert="horz" lIns="91440" tIns="45720" rIns="91440" bIns="45720" rtlCol="0"/>
+          <a:lstStyle>
+            <a:lvl1pPr algn="r">
+              <a:defRPr sz="1200"/>
+            </a:lvl1pPr>
+          </a:lstStyle>
+          <a:p>
+            <a:fld id="{17AB0C50-DB50-482A-9BAD-9340931B16B2}" type="datetimeFigureOut">
+              <a:rPr lang="es-CR" smtClean="0"/>
+              <a:t>19/8/2024</a:t>
+            </a:fld>
+            <a:endParaRPr lang="es-CR"/>
+          </a:p>
+        </p:txBody>
+      </p:sp>
+      <p:sp>
+        <p:nvSpPr>
+          <p:cNvPr id="4" name="Marcador de imagen de diapositiva 3"/>
+          <p:cNvSpPr>
+            <a:spLocks noGrp="1" noRot="1" noChangeAspect="1"/>
+          </p:cNvSpPr>
+          <p:nvPr>
+            <p:ph type="sldImg" idx="2"/>
+          </p:nvPr>
+        </p:nvSpPr>
+        <p:spPr>
+          <a:xfrm>
+            <a:off x="685800" y="1143000"/>
+            <a:ext cx="5486400" cy="3086100"/>
+          </a:xfrm>
+          <a:prstGeom prst="rect">
+            <a:avLst/>
+          </a:prstGeom>
+          <a:noFill/>
+          <a:ln w="12700">
+            <a:solidFill>
+              <a:prstClr val="black"/>
+            </a:solidFill>
+          </a:ln>
+        </p:spPr>
+        <p:txBody>
+          <a:bodyPr vert="horz" lIns="91440" tIns="45720" rIns="91440" bIns="45720" rtlCol="0" anchor="ctr"/>
+          <a:lstStyle/>
+          <a:p>
+            <a:endParaRPr lang="es-CR"/>
+          </a:p>
+        </p:txBody>
+      </p:sp>
+      <p:sp>
+        <p:nvSpPr>
+          <p:cNvPr id="5" name="Marcador de notas 4"/>
+          <p:cNvSpPr>
+            <a:spLocks noGrp="1"/>
+          </p:cNvSpPr>
+          <p:nvPr>
+            <p:ph type="body" sz="quarter" idx="3"/>
+          </p:nvPr>
+        </p:nvSpPr>
+        <p:spPr>
+          <a:xfrm>
+            <a:off x="685800" y="4400550"/>
+            <a:ext cx="5486400" cy="3600450"/>
+          </a:xfrm>
+          <a:prstGeom prst="rect">
+            <a:avLst/>
+          </a:prstGeom>
+        </p:spPr>
+        <p:txBody>
+          <a:bodyPr vert="horz" lIns="91440" tIns="45720" rIns="91440" bIns="45720" rtlCol="0"/>
+          <a:lstStyle/>
+          <a:p>
+            <a:pPr lvl="0"/>
+            <a:r>
+              <a:rPr lang="es-ES"/>
+              <a:t>Haga clic para modificar los estilos de texto del patrón</a:t>
+            </a:r>
+          </a:p>
+          <a:p>
+            <a:pPr lvl="1"/>
+            <a:r>
+              <a:rPr lang="es-ES"/>
+              <a:t>Segundo nivel</a:t>
+            </a:r>
+          </a:p>
+          <a:p>
+            <a:pPr lvl="2"/>
+            <a:r>
+              <a:rPr lang="es-ES"/>
+              <a:t>Tercer nivel</a:t>
+            </a:r>
+          </a:p>
+          <a:p>
+            <a:pPr lvl="3"/>
+            <a:r>
+              <a:rPr lang="es-ES"/>
+              <a:t>Cuarto nivel</a:t>
+            </a:r>
+          </a:p>
+          <a:p>
+            <a:pPr lvl="4"/>
+            <a:r>
+              <a:rPr lang="es-ES"/>
+              <a:t>Quinto nivel</a:t>
+            </a:r>
+            <a:endParaRPr lang="es-CR"/>
+          </a:p>
+        </p:txBody>
+      </p:sp>
+      <p:sp>
+        <p:nvSpPr>
+          <p:cNvPr id="6" name="Marcador de pie de página 5"/>
+          <p:cNvSpPr>
+            <a:spLocks noGrp="1"/>
+          </p:cNvSpPr>
+          <p:nvPr>
+            <p:ph type="ftr" sz="quarter" idx="4"/>
+          </p:nvPr>
+        </p:nvSpPr>
+        <p:spPr>
+          <a:xfrm>
+            <a:off x="0" y="8685213"/>
+            <a:ext cx="2971800" cy="458787"/>
+          </a:xfrm>
+          <a:prstGeom prst="rect">
+            <a:avLst/>
+          </a:prstGeom>
+        </p:spPr>
+        <p:txBody>
+          <a:bodyPr vert="horz" lIns="91440" tIns="45720" rIns="91440" bIns="45720" rtlCol="0" anchor="b"/>
+          <a:lstStyle>
+            <a:lvl1pPr algn="l">
+              <a:defRPr sz="1200"/>
+            </a:lvl1pPr>
+          </a:lstStyle>
+          <a:p>
+            <a:endParaRPr lang="es-CR"/>
+          </a:p>
+        </p:txBody>
+      </p:sp>
+      <p:sp>
+        <p:nvSpPr>
+          <p:cNvPr id="7" name="Marcador de número de diapositiva 6"/>
+          <p:cNvSpPr>
+            <a:spLocks noGrp="1"/>
+          </p:cNvSpPr>
+          <p:nvPr>
+            <p:ph type="sldNum" sz="quarter" idx="5"/>
+          </p:nvPr>
+        </p:nvSpPr>
+        <p:spPr>
+          <a:xfrm>
+            <a:off x="3884613" y="8685213"/>
+            <a:ext cx="2971800" cy="458787"/>
+          </a:xfrm>
+          <a:prstGeom prst="rect">
+            <a:avLst/>
+          </a:prstGeom>
+        </p:spPr>
+        <p:txBody>
+          <a:bodyPr vert="horz" lIns="91440" tIns="45720" rIns="91440" bIns="45720" rtlCol="0" anchor="b"/>
+          <a:lstStyle>
+            <a:lvl1pPr algn="r">
+              <a:defRPr sz="1200"/>
+            </a:lvl1pPr>
+          </a:lstStyle>
+          <a:p>
+            <a:fld id="{B90CDDB4-791D-4322-B08B-EE70DF2AA906}" type="slidenum">
+              <a:rPr lang="es-CR" smtClean="0"/>
+              <a:t>‹Nº›</a:t>
+            </a:fld>
+            <a:endParaRPr lang="es-CR"/>
+          </a:p>
+        </p:txBody>
+      </p:sp>
+    </p:spTree>
+    <p:extLst>
+      <p:ext uri="{BB962C8B-B14F-4D97-AF65-F5344CB8AC3E}">
+        <p14:creationId xmlns:p14="http://schemas.microsoft.com/office/powerpoint/2010/main" val="3004270751"/>
+      </p:ext>
+    </p:extLst>
+  </p:cSld>
+  <p:clrMap bg1="lt1" tx1="dk1" bg2="lt2" tx2="dk2" accent1="accent1" accent2="accent2" accent3="accent3" accent4="accent4" accent5="accent5" accent6="accent6" hlink="hlink" folHlink="folHlink"/>
+  <p:notesStyle>
+    <a:lvl1pPr marL="0" algn="l" defTabSz="914400" rtl="0" eaLnBrk="1" latinLnBrk="0" hangingPunct="1">
+      <a:defRPr sz="1200" kern="1200">
+        <a:solidFill>
+          <a:schemeClr val="tx1"/>
+        </a:solidFill>
+        <a:latin typeface="+mn-lt"/>
+        <a:ea typeface="+mn-ea"/>
+        <a:cs typeface="+mn-cs"/>
+      </a:defRPr>
+    </a:lvl1pPr>
+    <a:lvl2pPr marL="457200" algn="l" defTabSz="914400" rtl="0" eaLnBrk="1" latinLnBrk="0" hangingPunct="1">
+      <a:defRPr sz="1200" kern="1200">
+        <a:solidFill>
+          <a:schemeClr val="tx1"/>
+        </a:solidFill>
+        <a:latin typeface="+mn-lt"/>
+        <a:ea typeface="+mn-ea"/>
+        <a:cs typeface="+mn-cs"/>
+      </a:defRPr>
+    </a:lvl2pPr>
+    <a:lvl3pPr marL="914400" algn="l" defTabSz="914400" rtl="0" eaLnBrk="1" latinLnBrk="0" hangingPunct="1">
+      <a:defRPr sz="1200" kern="1200">
+        <a:solidFill>
+          <a:schemeClr val="tx1"/>
+        </a:solidFill>
+        <a:latin typeface="+mn-lt"/>
+        <a:ea typeface="+mn-ea"/>
+        <a:cs typeface="+mn-cs"/>
+      </a:defRPr>
+    </a:lvl3pPr>
+    <a:lvl4pPr marL="1371600" algn="l" defTabSz="914400" rtl="0" eaLnBrk="1" latinLnBrk="0" hangingPunct="1">
+      <a:defRPr sz="1200" kern="1200">
+        <a:solidFill>
+          <a:schemeClr val="tx1"/>
+        </a:solidFill>
+        <a:latin typeface="+mn-lt"/>
+        <a:ea typeface="+mn-ea"/>
+        <a:cs typeface="+mn-cs"/>
+      </a:defRPr>
+    </a:lvl4pPr>
+    <a:lvl5pPr marL="1828800" algn="l" defTabSz="914400" rtl="0" eaLnBrk="1" latinLnBrk="0" hangingPunct="1">
+      <a:defRPr sz="1200" kern="1200">
+        <a:solidFill>
+          <a:schemeClr val="tx1"/>
+        </a:solidFill>
+        <a:latin typeface="+mn-lt"/>
+        <a:ea typeface="+mn-ea"/>
+        <a:cs typeface="+mn-cs"/>
+      </a:defRPr>
+    </a:lvl5pPr>
+    <a:lvl6pPr marL="2286000" algn="l" defTabSz="914400" rtl="0" eaLnBrk="1" latinLnBrk="0" hangingPunct="1">
+      <a:defRPr sz="1200" kern="1200">
+        <a:solidFill>
+          <a:schemeClr val="tx1"/>
+        </a:solidFill>
+        <a:latin typeface="+mn-lt"/>
+        <a:ea typeface="+mn-ea"/>
+        <a:cs typeface="+mn-cs"/>
+      </a:defRPr>
+    </a:lvl6pPr>
+    <a:lvl7pPr marL="2743200" algn="l" defTabSz="914400" rtl="0" eaLnBrk="1" latinLnBrk="0" hangingPunct="1">
+      <a:defRPr sz="1200" kern="1200">
+        <a:solidFill>
+          <a:schemeClr val="tx1"/>
+        </a:solidFill>
+        <a:latin typeface="+mn-lt"/>
+        <a:ea typeface="+mn-ea"/>
+        <a:cs typeface="+mn-cs"/>
+      </a:defRPr>
+    </a:lvl7pPr>
+    <a:lvl8pPr marL="3200400" algn="l" defTabSz="914400" rtl="0" eaLnBrk="1" latinLnBrk="0" hangingPunct="1">
+      <a:defRPr sz="1200" kern="1200">
+        <a:solidFill>
+          <a:schemeClr val="tx1"/>
+        </a:solidFill>
+        <a:latin typeface="+mn-lt"/>
+        <a:ea typeface="+mn-ea"/>
+        <a:cs typeface="+mn-cs"/>
+      </a:defRPr>
+    </a:lvl8pPr>
+    <a:lvl9pPr marL="3657600" algn="l" defTabSz="914400" rtl="0" eaLnBrk="1" latinLnBrk="0" hangingPunct="1">
+      <a:defRPr sz="1200" kern="1200">
+        <a:solidFill>
+          <a:schemeClr val="tx1"/>
+        </a:solidFill>
+        <a:latin typeface="+mn-lt"/>
+        <a:ea typeface="+mn-ea"/>
+        <a:cs typeface="+mn-cs"/>
+      </a:defRPr>
+    </a:lvl9pPr>
+  </p:notesStyle>
+</p:notesMaster>
+</file>
+
+<file path=ppt/notesSlides/notesSlide1.xml><?xml version="1.0" encoding="utf-8"?>
+<p:notes xmlns:a="http://schemas.openxmlformats.org/drawingml/2006/main" xmlns:r="http://schemas.openxmlformats.org/officeDocument/2006/relationships" xmlns:p="http://schemas.openxmlformats.org/presentationml/2006/main">
+  <p:cSld>
+    <p:spTree>
+      <p:nvGrpSpPr>
+        <p:cNvPr id="1" name=""/>
+        <p:cNvGrpSpPr/>
+        <p:nvPr/>
+      </p:nvGrpSpPr>
+      <p:grpSpPr>
+        <a:xfrm>
+          <a:off x="0" y="0"/>
+          <a:ext cx="0" cy="0"/>
+          <a:chOff x="0" y="0"/>
+          <a:chExt cx="0" cy="0"/>
+        </a:xfrm>
+      </p:grpSpPr>
+      <p:sp>
+        <p:nvSpPr>
+          <p:cNvPr id="2" name="Marcador de imagen de diapositiva 1"/>
+          <p:cNvSpPr>
+            <a:spLocks noGrp="1" noRot="1" noChangeAspect="1"/>
+          </p:cNvSpPr>
+          <p:nvPr>
+            <p:ph type="sldImg"/>
+          </p:nvPr>
+        </p:nvSpPr>
+        <p:spPr/>
+      </p:sp>
+      <p:sp>
+        <p:nvSpPr>
+          <p:cNvPr id="3" name="Marcador de notas 2"/>
+          <p:cNvSpPr>
+            <a:spLocks noGrp="1"/>
+          </p:cNvSpPr>
+          <p:nvPr>
+            <p:ph type="body" idx="1"/>
+          </p:nvPr>
+        </p:nvSpPr>
+        <p:spPr/>
+        <p:txBody>
+          <a:bodyPr/>
+          <a:lstStyle/>
+          <a:p>
+            <a:r>
+              <a:rPr lang="es-CR" dirty="0"/>
+              <a:t>PIRE </a:t>
+            </a:r>
+            <a:r>
+              <a:rPr lang="es-MX" b="1" dirty="0"/>
+              <a:t>Potencia Isotrópica Radiada Equivalente</a:t>
+            </a:r>
+            <a:r>
+              <a:rPr lang="es-MX" dirty="0"/>
+              <a:t> (o </a:t>
+            </a:r>
+            <a:r>
+              <a:rPr lang="es-MX" b="1" dirty="0" err="1"/>
+              <a:t>Equivalent</a:t>
+            </a:r>
+            <a:r>
+              <a:rPr lang="es-MX" b="1" dirty="0"/>
+              <a:t> </a:t>
+            </a:r>
+            <a:r>
+              <a:rPr lang="es-MX" b="1" dirty="0" err="1"/>
+              <a:t>Isotropically</a:t>
+            </a:r>
+            <a:r>
+              <a:rPr lang="es-MX" b="1" dirty="0"/>
+              <a:t> </a:t>
+            </a:r>
+            <a:r>
+              <a:rPr lang="es-MX" b="1" dirty="0" err="1"/>
+              <a:t>Radiated</a:t>
+            </a:r>
+            <a:r>
+              <a:rPr lang="es-MX" b="1" dirty="0"/>
+              <a:t> </a:t>
+            </a:r>
+            <a:r>
+              <a:rPr lang="es-MX" b="1" dirty="0" err="1"/>
+              <a:t>Power</a:t>
+            </a:r>
+            <a:r>
+              <a:rPr lang="es-MX" dirty="0"/>
+              <a:t> en inglés</a:t>
+            </a:r>
+            <a:endParaRPr lang="es-CR" dirty="0"/>
+          </a:p>
+        </p:txBody>
+      </p:sp>
+      <p:sp>
+        <p:nvSpPr>
+          <p:cNvPr id="4" name="Marcador de número de diapositiva 3"/>
+          <p:cNvSpPr>
+            <a:spLocks noGrp="1"/>
+          </p:cNvSpPr>
+          <p:nvPr>
+            <p:ph type="sldNum" sz="quarter" idx="5"/>
+          </p:nvPr>
+        </p:nvSpPr>
+        <p:spPr/>
+        <p:txBody>
+          <a:bodyPr/>
+          <a:lstStyle/>
+          <a:p>
+            <a:fld id="{B90CDDB4-791D-4322-B08B-EE70DF2AA906}" type="slidenum">
+              <a:rPr lang="es-CR" smtClean="0"/>
+              <a:t>7</a:t>
+            </a:fld>
+            <a:endParaRPr lang="es-CR"/>
+          </a:p>
+        </p:txBody>
+      </p:sp>
+    </p:spTree>
+    <p:extLst>
+      <p:ext uri="{BB962C8B-B14F-4D97-AF65-F5344CB8AC3E}">
+        <p14:creationId xmlns:p14="http://schemas.microsoft.com/office/powerpoint/2010/main" val="3687504271"/>
+      </p:ext>
+    </p:extLst>
+  </p:cSld>
+  <p:clrMapOvr>
+    <a:masterClrMapping/>
+  </p:clrMapOvr>
+</p:notes>
+</file>
+
+<file path=ppt/notesSlides/notesSlide2.xml><?xml version="1.0" encoding="utf-8"?>
+<p:notes xmlns:a="http://schemas.openxmlformats.org/drawingml/2006/main" xmlns:r="http://schemas.openxmlformats.org/officeDocument/2006/relationships" xmlns:p="http://schemas.openxmlformats.org/presentationml/2006/main">
+  <p:cSld>
+    <p:spTree>
+      <p:nvGrpSpPr>
+        <p:cNvPr id="1" name=""/>
+        <p:cNvGrpSpPr/>
+        <p:nvPr/>
+      </p:nvGrpSpPr>
+      <p:grpSpPr>
+        <a:xfrm>
+          <a:off x="0" y="0"/>
+          <a:ext cx="0" cy="0"/>
+          <a:chOff x="0" y="0"/>
+          <a:chExt cx="0" cy="0"/>
+        </a:xfrm>
+      </p:grpSpPr>
+      <p:sp>
+        <p:nvSpPr>
+          <p:cNvPr id="2" name="Marcador de imagen de diapositiva 1"/>
+          <p:cNvSpPr>
+            <a:spLocks noGrp="1" noRot="1" noChangeAspect="1"/>
+          </p:cNvSpPr>
+          <p:nvPr>
+            <p:ph type="sldImg"/>
+          </p:nvPr>
+        </p:nvSpPr>
+        <p:spPr/>
+      </p:sp>
+      <p:sp>
+        <p:nvSpPr>
+          <p:cNvPr id="3" name="Marcador de notas 2"/>
+          <p:cNvSpPr>
+            <a:spLocks noGrp="1"/>
+          </p:cNvSpPr>
+          <p:nvPr>
+            <p:ph type="body" idx="1"/>
+          </p:nvPr>
+        </p:nvSpPr>
+        <p:spPr/>
+        <p:txBody>
+          <a:bodyPr/>
+          <a:lstStyle/>
+          <a:p>
+            <a:endParaRPr lang="es-CR" dirty="0"/>
+          </a:p>
+        </p:txBody>
+      </p:sp>
+      <p:sp>
+        <p:nvSpPr>
+          <p:cNvPr id="4" name="Marcador de número de diapositiva 3"/>
+          <p:cNvSpPr>
+            <a:spLocks noGrp="1"/>
+          </p:cNvSpPr>
+          <p:nvPr>
+            <p:ph type="sldNum" sz="quarter" idx="5"/>
+          </p:nvPr>
+        </p:nvSpPr>
+        <p:spPr/>
+        <p:txBody>
+          <a:bodyPr/>
+          <a:lstStyle/>
+          <a:p>
+            <a:fld id="{B90CDDB4-791D-4322-B08B-EE70DF2AA906}" type="slidenum">
+              <a:rPr lang="es-CR" smtClean="0"/>
+              <a:t>9</a:t>
+            </a:fld>
+            <a:endParaRPr lang="es-CR"/>
+          </a:p>
+        </p:txBody>
+      </p:sp>
+    </p:spTree>
+    <p:extLst>
+      <p:ext uri="{BB962C8B-B14F-4D97-AF65-F5344CB8AC3E}">
+        <p14:creationId xmlns:p14="http://schemas.microsoft.com/office/powerpoint/2010/main" val="753023310"/>
+      </p:ext>
+    </p:extLst>
+  </p:cSld>
+  <p:clrMapOvr>
+    <a:masterClrMapping/>
+  </p:clrMapOvr>
+</p:notes>
 </file>
 
 <file path=ppt/slideLayouts/slideLayout1.xml><?xml version="1.0" encoding="utf-8"?>
@@ -5824,6 +6548,561 @@
 </p:sld>
 </file>
 
+<file path=ppt/slides/slide10.xml><?xml version="1.0" encoding="utf-8"?>
+<p:sld xmlns:a="http://schemas.openxmlformats.org/drawingml/2006/main" xmlns:r="http://schemas.openxmlformats.org/officeDocument/2006/relationships" xmlns:p="http://schemas.openxmlformats.org/presentationml/2006/main">
+  <p:cSld>
+    <p:spTree>
+      <p:nvGrpSpPr>
+        <p:cNvPr id="1" name=""/>
+        <p:cNvGrpSpPr/>
+        <p:nvPr/>
+      </p:nvGrpSpPr>
+      <p:grpSpPr>
+        <a:xfrm>
+          <a:off x="0" y="0"/>
+          <a:ext cx="0" cy="0"/>
+          <a:chOff x="0" y="0"/>
+          <a:chExt cx="0" cy="0"/>
+        </a:xfrm>
+      </p:grpSpPr>
+      <p:sp>
+        <p:nvSpPr>
+          <p:cNvPr id="2" name="Título 1">
+            <a:extLst>
+              <a:ext uri="{FF2B5EF4-FFF2-40B4-BE49-F238E27FC236}">
+                <a16:creationId xmlns:a16="http://schemas.microsoft.com/office/drawing/2014/main" id="{1F0C5861-666B-AA08-39E2-827DBB9DEA18}"/>
+              </a:ext>
+            </a:extLst>
+          </p:cNvPr>
+          <p:cNvSpPr>
+            <a:spLocks noGrp="1"/>
+          </p:cNvSpPr>
+          <p:nvPr>
+            <p:ph type="title"/>
+          </p:nvPr>
+        </p:nvSpPr>
+        <p:spPr/>
+        <p:txBody>
+          <a:bodyPr/>
+          <a:lstStyle/>
+          <a:p>
+            <a:r>
+              <a:rPr lang="es-CR" dirty="0"/>
+              <a:t>Long </a:t>
+            </a:r>
+            <a:r>
+              <a:rPr lang="es-CR" dirty="0" err="1"/>
+              <a:t>Range</a:t>
+            </a:r>
+            <a:endParaRPr lang="es-CR" dirty="0"/>
+          </a:p>
+        </p:txBody>
+      </p:sp>
+      <p:sp>
+        <p:nvSpPr>
+          <p:cNvPr id="3" name="Marcador de contenido 2">
+            <a:extLst>
+              <a:ext uri="{FF2B5EF4-FFF2-40B4-BE49-F238E27FC236}">
+                <a16:creationId xmlns:a16="http://schemas.microsoft.com/office/drawing/2014/main" id="{3A39B3F5-1F82-382A-197A-C6EC700308D4}"/>
+              </a:ext>
+            </a:extLst>
+          </p:cNvPr>
+          <p:cNvSpPr>
+            <a:spLocks noGrp="1"/>
+          </p:cNvSpPr>
+          <p:nvPr>
+            <p:ph idx="1"/>
+          </p:nvPr>
+        </p:nvSpPr>
+        <p:spPr/>
+        <p:txBody>
+          <a:bodyPr/>
+          <a:lstStyle/>
+          <a:p>
+            <a:pPr marL="0" indent="0">
+              <a:buNone/>
+            </a:pPr>
+            <a:r>
+              <a:rPr lang="es-CR" dirty="0"/>
+              <a:t>Protocolo de comunicación basado en CSS combinado con FSK</a:t>
+            </a:r>
+          </a:p>
+          <a:p>
+            <a:pPr marL="0" indent="0">
+              <a:buNone/>
+            </a:pPr>
+            <a:r>
+              <a:rPr lang="es-CR" dirty="0"/>
+              <a:t>Beneficios:</a:t>
+            </a:r>
+          </a:p>
+          <a:p>
+            <a:r>
+              <a:rPr lang="es-CR" dirty="0"/>
+              <a:t>Resistencia al desvanecimiento por </a:t>
+            </a:r>
+            <a:r>
+              <a:rPr lang="es-CR" dirty="0" err="1"/>
+              <a:t>multitrayectoria</a:t>
+            </a:r>
+            <a:r>
+              <a:rPr lang="es-CR" dirty="0"/>
+              <a:t> y efecto Doppler</a:t>
+            </a:r>
+          </a:p>
+          <a:p>
+            <a:r>
+              <a:rPr lang="es-CR" dirty="0"/>
+              <a:t>Bajo consumo</a:t>
+            </a:r>
+          </a:p>
+          <a:p>
+            <a:r>
+              <a:rPr lang="es-MX" dirty="0"/>
+              <a:t>Robustez contra interferencias de banda estrecha y bloqueos.</a:t>
+            </a:r>
+          </a:p>
+          <a:p>
+            <a:r>
+              <a:rPr lang="es-MX" dirty="0"/>
+              <a:t>Largo alcance</a:t>
+            </a:r>
+            <a:endParaRPr lang="es-CR" dirty="0"/>
+          </a:p>
+        </p:txBody>
+      </p:sp>
+    </p:spTree>
+    <p:extLst>
+      <p:ext uri="{BB962C8B-B14F-4D97-AF65-F5344CB8AC3E}">
+        <p14:creationId xmlns:p14="http://schemas.microsoft.com/office/powerpoint/2010/main" val="1902594791"/>
+      </p:ext>
+    </p:extLst>
+  </p:cSld>
+  <p:clrMapOvr>
+    <a:masterClrMapping/>
+  </p:clrMapOvr>
+</p:sld>
+</file>
+
+<file path=ppt/slides/slide11.xml><?xml version="1.0" encoding="utf-8"?>
+<p:sld xmlns:a="http://schemas.openxmlformats.org/drawingml/2006/main" xmlns:r="http://schemas.openxmlformats.org/officeDocument/2006/relationships" xmlns:p="http://schemas.openxmlformats.org/presentationml/2006/main">
+  <p:cSld>
+    <p:bg>
+      <p:bgPr>
+        <a:blipFill rotWithShape="1">
+          <a:blip r:embed="rId2">
+            <a:duotone>
+              <a:schemeClr val="bg2">
+                <a:shade val="18000"/>
+                <a:satMod val="160000"/>
+                <a:lumMod val="28000"/>
+              </a:schemeClr>
+              <a:schemeClr val="bg2">
+                <a:tint val="95000"/>
+                <a:satMod val="160000"/>
+                <a:lumMod val="116000"/>
+              </a:schemeClr>
+            </a:duotone>
+          </a:blip>
+          <a:stretch/>
+        </a:blipFill>
+        <a:effectLst/>
+      </p:bgPr>
+    </p:bg>
+    <p:spTree>
+      <p:nvGrpSpPr>
+        <p:cNvPr id="1" name=""/>
+        <p:cNvGrpSpPr/>
+        <p:nvPr/>
+      </p:nvGrpSpPr>
+      <p:grpSpPr>
+        <a:xfrm>
+          <a:off x="0" y="0"/>
+          <a:ext cx="0" cy="0"/>
+          <a:chOff x="0" y="0"/>
+          <a:chExt cx="0" cy="0"/>
+        </a:xfrm>
+      </p:grpSpPr>
+      <p:pic>
+        <p:nvPicPr>
+          <p:cNvPr id="3" name="Imagen 2">
+            <a:extLst>
+              <a:ext uri="{FF2B5EF4-FFF2-40B4-BE49-F238E27FC236}">
+                <a16:creationId xmlns:a16="http://schemas.microsoft.com/office/drawing/2014/main" id="{FF027F1D-EB2C-9A73-C15C-B327E565EC87}"/>
+              </a:ext>
+            </a:extLst>
+          </p:cNvPr>
+          <p:cNvPicPr>
+            <a:picLocks noChangeAspect="1"/>
+          </p:cNvPicPr>
+          <p:nvPr/>
+        </p:nvPicPr>
+        <p:blipFill>
+          <a:blip r:embed="rId3"/>
+          <a:stretch>
+            <a:fillRect/>
+          </a:stretch>
+        </p:blipFill>
+        <p:spPr>
+          <a:xfrm>
+            <a:off x="643467" y="2179110"/>
+            <a:ext cx="5127751" cy="2499778"/>
+          </a:xfrm>
+          <a:prstGeom prst="rect">
+            <a:avLst/>
+          </a:prstGeom>
+          <a:ln w="127000" cap="sq">
+            <a:solidFill>
+              <a:srgbClr val="FFFFFF"/>
+            </a:solidFill>
+            <a:miter lim="800000"/>
+          </a:ln>
+          <a:effectLst>
+            <a:outerShdw blurRad="54991" dist="17780" dir="5400000" algn="ctr" rotWithShape="0">
+              <a:schemeClr val="bg1">
+                <a:alpha val="40000"/>
+              </a:schemeClr>
+            </a:outerShdw>
+          </a:effectLst>
+          <a:scene3d>
+            <a:camera prst="orthographicFront"/>
+            <a:lightRig rig="twoPt" dir="t">
+              <a:rot lat="0" lon="0" rev="7200000"/>
+            </a:lightRig>
+          </a:scene3d>
+          <a:sp3d>
+            <a:bevelT w="25400" h="19050"/>
+          </a:sp3d>
+        </p:spPr>
+      </p:pic>
+      <p:pic>
+        <p:nvPicPr>
+          <p:cNvPr id="5" name="Imagen 4">
+            <a:extLst>
+              <a:ext uri="{FF2B5EF4-FFF2-40B4-BE49-F238E27FC236}">
+                <a16:creationId xmlns:a16="http://schemas.microsoft.com/office/drawing/2014/main" id="{79DD6E62-E40E-A276-B575-4FBD77E0FB86}"/>
+              </a:ext>
+            </a:extLst>
+          </p:cNvPr>
+          <p:cNvPicPr>
+            <a:picLocks noChangeAspect="1"/>
+          </p:cNvPicPr>
+          <p:nvPr/>
+        </p:nvPicPr>
+        <p:blipFill>
+          <a:blip r:embed="rId4"/>
+          <a:stretch>
+            <a:fillRect/>
+          </a:stretch>
+        </p:blipFill>
+        <p:spPr>
+          <a:xfrm>
+            <a:off x="6414683" y="2614000"/>
+            <a:ext cx="5133849" cy="1629997"/>
+          </a:xfrm>
+          <a:prstGeom prst="rect">
+            <a:avLst/>
+          </a:prstGeom>
+          <a:ln w="127000" cap="sq">
+            <a:solidFill>
+              <a:srgbClr val="FFFFFF"/>
+            </a:solidFill>
+            <a:miter lim="800000"/>
+          </a:ln>
+          <a:effectLst>
+            <a:outerShdw blurRad="54991" dist="17780" dir="5400000" algn="ctr" rotWithShape="0">
+              <a:schemeClr val="bg1">
+                <a:alpha val="40000"/>
+              </a:schemeClr>
+            </a:outerShdw>
+          </a:effectLst>
+          <a:scene3d>
+            <a:camera prst="orthographicFront"/>
+            <a:lightRig rig="twoPt" dir="t">
+              <a:rot lat="0" lon="0" rev="7200000"/>
+            </a:lightRig>
+          </a:scene3d>
+          <a:sp3d>
+            <a:bevelT w="25400" h="19050"/>
+          </a:sp3d>
+        </p:spPr>
+      </p:pic>
+    </p:spTree>
+    <p:extLst>
+      <p:ext uri="{BB962C8B-B14F-4D97-AF65-F5344CB8AC3E}">
+        <p14:creationId xmlns:p14="http://schemas.microsoft.com/office/powerpoint/2010/main" val="3014421031"/>
+      </p:ext>
+    </p:extLst>
+  </p:cSld>
+  <p:clrMapOvr>
+    <a:masterClrMapping/>
+  </p:clrMapOvr>
+</p:sld>
+</file>
+
+<file path=ppt/slides/slide12.xml><?xml version="1.0" encoding="utf-8"?>
+<p:sld xmlns:a="http://schemas.openxmlformats.org/drawingml/2006/main" xmlns:r="http://schemas.openxmlformats.org/officeDocument/2006/relationships" xmlns:p="http://schemas.openxmlformats.org/presentationml/2006/main">
+  <p:cSld>
+    <p:spTree>
+      <p:nvGrpSpPr>
+        <p:cNvPr id="1" name=""/>
+        <p:cNvGrpSpPr/>
+        <p:nvPr/>
+      </p:nvGrpSpPr>
+      <p:grpSpPr>
+        <a:xfrm>
+          <a:off x="0" y="0"/>
+          <a:ext cx="0" cy="0"/>
+          <a:chOff x="0" y="0"/>
+          <a:chExt cx="0" cy="0"/>
+        </a:xfrm>
+      </p:grpSpPr>
+      <p:sp>
+        <p:nvSpPr>
+          <p:cNvPr id="2" name="Título 1">
+            <a:extLst>
+              <a:ext uri="{FF2B5EF4-FFF2-40B4-BE49-F238E27FC236}">
+                <a16:creationId xmlns:a16="http://schemas.microsoft.com/office/drawing/2014/main" id="{1F0C5861-666B-AA08-39E2-827DBB9DEA18}"/>
+              </a:ext>
+            </a:extLst>
+          </p:cNvPr>
+          <p:cNvSpPr>
+            <a:spLocks noGrp="1"/>
+          </p:cNvSpPr>
+          <p:nvPr>
+            <p:ph type="title"/>
+          </p:nvPr>
+        </p:nvSpPr>
+        <p:spPr/>
+        <p:txBody>
+          <a:bodyPr/>
+          <a:lstStyle/>
+          <a:p>
+            <a:r>
+              <a:rPr lang="es-CR" dirty="0" err="1"/>
+              <a:t>Meshtastic</a:t>
+            </a:r>
+            <a:endParaRPr lang="es-CR" dirty="0"/>
+          </a:p>
+        </p:txBody>
+      </p:sp>
+      <p:sp>
+        <p:nvSpPr>
+          <p:cNvPr id="3" name="Marcador de contenido 2">
+            <a:extLst>
+              <a:ext uri="{FF2B5EF4-FFF2-40B4-BE49-F238E27FC236}">
+                <a16:creationId xmlns:a16="http://schemas.microsoft.com/office/drawing/2014/main" id="{3A39B3F5-1F82-382A-197A-C6EC700308D4}"/>
+              </a:ext>
+            </a:extLst>
+          </p:cNvPr>
+          <p:cNvSpPr>
+            <a:spLocks noGrp="1"/>
+          </p:cNvSpPr>
+          <p:nvPr>
+            <p:ph idx="1"/>
+          </p:nvPr>
+        </p:nvSpPr>
+        <p:spPr/>
+        <p:txBody>
+          <a:bodyPr/>
+          <a:lstStyle/>
+          <a:p>
+            <a:endParaRPr lang="es-CR"/>
+          </a:p>
+        </p:txBody>
+      </p:sp>
+    </p:spTree>
+    <p:extLst>
+      <p:ext uri="{BB962C8B-B14F-4D97-AF65-F5344CB8AC3E}">
+        <p14:creationId xmlns:p14="http://schemas.microsoft.com/office/powerpoint/2010/main" val="2472684638"/>
+      </p:ext>
+    </p:extLst>
+  </p:cSld>
+  <p:clrMapOvr>
+    <a:masterClrMapping/>
+  </p:clrMapOvr>
+</p:sld>
+</file>
+
+<file path=ppt/slides/slide13.xml><?xml version="1.0" encoding="utf-8"?>
+<p:sld xmlns:a="http://schemas.openxmlformats.org/drawingml/2006/main" xmlns:r="http://schemas.openxmlformats.org/officeDocument/2006/relationships" xmlns:p="http://schemas.openxmlformats.org/presentationml/2006/main">
+  <p:cSld>
+    <p:spTree>
+      <p:nvGrpSpPr>
+        <p:cNvPr id="1" name=""/>
+        <p:cNvGrpSpPr/>
+        <p:nvPr/>
+      </p:nvGrpSpPr>
+      <p:grpSpPr>
+        <a:xfrm>
+          <a:off x="0" y="0"/>
+          <a:ext cx="0" cy="0"/>
+          <a:chOff x="0" y="0"/>
+          <a:chExt cx="0" cy="0"/>
+        </a:xfrm>
+      </p:grpSpPr>
+      <p:sp>
+        <p:nvSpPr>
+          <p:cNvPr id="2" name="Título 1">
+            <a:extLst>
+              <a:ext uri="{FF2B5EF4-FFF2-40B4-BE49-F238E27FC236}">
+                <a16:creationId xmlns:a16="http://schemas.microsoft.com/office/drawing/2014/main" id="{1F0C5861-666B-AA08-39E2-827DBB9DEA18}"/>
+              </a:ext>
+            </a:extLst>
+          </p:cNvPr>
+          <p:cNvSpPr>
+            <a:spLocks noGrp="1"/>
+          </p:cNvSpPr>
+          <p:nvPr>
+            <p:ph type="title"/>
+          </p:nvPr>
+        </p:nvSpPr>
+        <p:spPr/>
+        <p:txBody>
+          <a:bodyPr/>
+          <a:lstStyle/>
+          <a:p>
+            <a:r>
+              <a:rPr lang="es-CR" dirty="0"/>
+              <a:t>ESP32</a:t>
+            </a:r>
+          </a:p>
+        </p:txBody>
+      </p:sp>
+      <p:sp>
+        <p:nvSpPr>
+          <p:cNvPr id="3" name="Marcador de contenido 2">
+            <a:extLst>
+              <a:ext uri="{FF2B5EF4-FFF2-40B4-BE49-F238E27FC236}">
+                <a16:creationId xmlns:a16="http://schemas.microsoft.com/office/drawing/2014/main" id="{3A39B3F5-1F82-382A-197A-C6EC700308D4}"/>
+              </a:ext>
+            </a:extLst>
+          </p:cNvPr>
+          <p:cNvSpPr>
+            <a:spLocks noGrp="1"/>
+          </p:cNvSpPr>
+          <p:nvPr>
+            <p:ph idx="1"/>
+          </p:nvPr>
+        </p:nvSpPr>
+        <p:spPr/>
+        <p:txBody>
+          <a:bodyPr/>
+          <a:lstStyle/>
+          <a:p>
+            <a:endParaRPr lang="es-CR"/>
+          </a:p>
+        </p:txBody>
+      </p:sp>
+    </p:spTree>
+    <p:extLst>
+      <p:ext uri="{BB962C8B-B14F-4D97-AF65-F5344CB8AC3E}">
+        <p14:creationId xmlns:p14="http://schemas.microsoft.com/office/powerpoint/2010/main" val="885884233"/>
+      </p:ext>
+    </p:extLst>
+  </p:cSld>
+  <p:clrMapOvr>
+    <a:masterClrMapping/>
+  </p:clrMapOvr>
+</p:sld>
+</file>
+
+<file path=ppt/slides/slide14.xml><?xml version="1.0" encoding="utf-8"?>
+<p:sld xmlns:a="http://schemas.openxmlformats.org/drawingml/2006/main" xmlns:r="http://schemas.openxmlformats.org/officeDocument/2006/relationships" xmlns:p="http://schemas.openxmlformats.org/presentationml/2006/main">
+  <p:cSld>
+    <p:spTree>
+      <p:nvGrpSpPr>
+        <p:cNvPr id="1" name=""/>
+        <p:cNvGrpSpPr/>
+        <p:nvPr/>
+      </p:nvGrpSpPr>
+      <p:grpSpPr>
+        <a:xfrm>
+          <a:off x="0" y="0"/>
+          <a:ext cx="0" cy="0"/>
+          <a:chOff x="0" y="0"/>
+          <a:chExt cx="0" cy="0"/>
+        </a:xfrm>
+      </p:grpSpPr>
+      <p:sp>
+        <p:nvSpPr>
+          <p:cNvPr id="2" name="Título 1">
+            <a:extLst>
+              <a:ext uri="{FF2B5EF4-FFF2-40B4-BE49-F238E27FC236}">
+                <a16:creationId xmlns:a16="http://schemas.microsoft.com/office/drawing/2014/main" id="{1F0C5861-666B-AA08-39E2-827DBB9DEA18}"/>
+              </a:ext>
+            </a:extLst>
+          </p:cNvPr>
+          <p:cNvSpPr>
+            <a:spLocks noGrp="1"/>
+          </p:cNvSpPr>
+          <p:nvPr>
+            <p:ph type="title"/>
+          </p:nvPr>
+        </p:nvSpPr>
+        <p:spPr/>
+        <p:txBody>
+          <a:bodyPr/>
+          <a:lstStyle/>
+          <a:p>
+            <a:r>
+              <a:rPr lang="es-CR" dirty="0"/>
+              <a:t>Visual Studio </a:t>
+            </a:r>
+            <a:r>
+              <a:rPr lang="es-CR" dirty="0" err="1"/>
+              <a:t>Code</a:t>
+            </a:r>
+            <a:r>
+              <a:rPr lang="es-CR" dirty="0"/>
+              <a:t> - </a:t>
+            </a:r>
+            <a:r>
+              <a:rPr lang="es-CR" dirty="0" err="1"/>
+              <a:t>Platformio</a:t>
+            </a:r>
+            <a:endParaRPr lang="es-CR" dirty="0"/>
+          </a:p>
+        </p:txBody>
+      </p:sp>
+      <p:sp>
+        <p:nvSpPr>
+          <p:cNvPr id="3" name="Marcador de contenido 2">
+            <a:extLst>
+              <a:ext uri="{FF2B5EF4-FFF2-40B4-BE49-F238E27FC236}">
+                <a16:creationId xmlns:a16="http://schemas.microsoft.com/office/drawing/2014/main" id="{3A39B3F5-1F82-382A-197A-C6EC700308D4}"/>
+              </a:ext>
+            </a:extLst>
+          </p:cNvPr>
+          <p:cNvSpPr>
+            <a:spLocks noGrp="1"/>
+          </p:cNvSpPr>
+          <p:nvPr>
+            <p:ph idx="1"/>
+          </p:nvPr>
+        </p:nvSpPr>
+        <p:spPr/>
+        <p:txBody>
+          <a:bodyPr/>
+          <a:lstStyle/>
+          <a:p>
+            <a:endParaRPr lang="es-CR"/>
+          </a:p>
+        </p:txBody>
+      </p:sp>
+    </p:spTree>
+    <p:extLst>
+      <p:ext uri="{BB962C8B-B14F-4D97-AF65-F5344CB8AC3E}">
+        <p14:creationId xmlns:p14="http://schemas.microsoft.com/office/powerpoint/2010/main" val="1575718338"/>
+      </p:ext>
+    </p:extLst>
+  </p:cSld>
+  <p:clrMapOvr>
+    <a:masterClrMapping/>
+  </p:clrMapOvr>
+</p:sld>
+</file>
+
 <file path=ppt/slides/slide2.xml><?xml version="1.0" encoding="utf-8"?>
 <p:sld xmlns:a="http://schemas.openxmlformats.org/drawingml/2006/main" xmlns:r="http://schemas.openxmlformats.org/officeDocument/2006/relationships" xmlns:p="http://schemas.openxmlformats.org/presentationml/2006/main">
   <p:cSld>
@@ -6553,68 +7832,70 @@
           <a:chExt cx="0" cy="0"/>
         </a:xfrm>
       </p:grpSpPr>
-      <p:sp>
-        <p:nvSpPr>
-          <p:cNvPr id="2" name="Título 1">
+      <p:pic>
+        <p:nvPicPr>
+          <p:cNvPr id="3" name="Imagen 2">
             <a:extLst>
               <a:ext uri="{FF2B5EF4-FFF2-40B4-BE49-F238E27FC236}">
-                <a16:creationId xmlns:a16="http://schemas.microsoft.com/office/drawing/2014/main" id="{1F0C5861-666B-AA08-39E2-827DBB9DEA18}"/>
+                <a16:creationId xmlns:a16="http://schemas.microsoft.com/office/drawing/2014/main" id="{C41CFFFD-EE90-448D-5442-D56CD7DEFF0B}"/>
               </a:ext>
             </a:extLst>
           </p:cNvPr>
-          <p:cNvSpPr>
-            <a:spLocks noGrp="1"/>
-          </p:cNvSpPr>
-          <p:nvPr>
-            <p:ph type="title"/>
-          </p:nvPr>
-        </p:nvSpPr>
-        <p:spPr/>
-        <p:txBody>
-          <a:bodyPr/>
-          <a:lstStyle/>
-          <a:p>
-            <a:r>
-              <a:rPr lang="es-CR" dirty="0"/>
-              <a:t>Long </a:t>
-            </a:r>
-            <a:r>
-              <a:rPr lang="es-CR" dirty="0" err="1"/>
-              <a:t>Range</a:t>
-            </a:r>
-            <a:endParaRPr lang="es-CR" dirty="0"/>
-          </a:p>
-        </p:txBody>
-      </p:sp>
-      <p:sp>
-        <p:nvSpPr>
-          <p:cNvPr id="3" name="Marcador de contenido 2">
+          <p:cNvPicPr>
+            <a:picLocks noChangeAspect="1"/>
+          </p:cNvPicPr>
+          <p:nvPr/>
+        </p:nvPicPr>
+        <p:blipFill>
+          <a:blip r:embed="rId2"/>
+          <a:stretch>
+            <a:fillRect/>
+          </a:stretch>
+        </p:blipFill>
+        <p:spPr>
+          <a:xfrm>
+            <a:off x="2266415" y="1408104"/>
+            <a:ext cx="7659169" cy="1314633"/>
+          </a:xfrm>
+          <a:prstGeom prst="rect">
+            <a:avLst/>
+          </a:prstGeom>
+        </p:spPr>
+      </p:pic>
+      <p:pic>
+        <p:nvPicPr>
+          <p:cNvPr id="5" name="Imagen 4">
             <a:extLst>
               <a:ext uri="{FF2B5EF4-FFF2-40B4-BE49-F238E27FC236}">
-                <a16:creationId xmlns:a16="http://schemas.microsoft.com/office/drawing/2014/main" id="{3A39B3F5-1F82-382A-197A-C6EC700308D4}"/>
+                <a16:creationId xmlns:a16="http://schemas.microsoft.com/office/drawing/2014/main" id="{18DCD227-2D84-5372-0097-E71E79C2C4BF}"/>
               </a:ext>
             </a:extLst>
           </p:cNvPr>
-          <p:cNvSpPr>
-            <a:spLocks noGrp="1"/>
-          </p:cNvSpPr>
-          <p:nvPr>
-            <p:ph idx="1"/>
-          </p:nvPr>
-        </p:nvSpPr>
-        <p:spPr/>
-        <p:txBody>
-          <a:bodyPr/>
-          <a:lstStyle/>
-          <a:p>
-            <a:endParaRPr lang="es-CR"/>
-          </a:p>
-        </p:txBody>
-      </p:sp>
+          <p:cNvPicPr>
+            <a:picLocks noChangeAspect="1"/>
+          </p:cNvPicPr>
+          <p:nvPr/>
+        </p:nvPicPr>
+        <p:blipFill>
+          <a:blip r:embed="rId3"/>
+          <a:stretch>
+            <a:fillRect/>
+          </a:stretch>
+        </p:blipFill>
+        <p:spPr>
+          <a:xfrm>
+            <a:off x="2256889" y="4135264"/>
+            <a:ext cx="7668695" cy="1038370"/>
+          </a:xfrm>
+          <a:prstGeom prst="rect">
+            <a:avLst/>
+          </a:prstGeom>
+        </p:spPr>
+      </p:pic>
     </p:spTree>
     <p:extLst>
       <p:ext uri="{BB962C8B-B14F-4D97-AF65-F5344CB8AC3E}">
-        <p14:creationId xmlns:p14="http://schemas.microsoft.com/office/powerpoint/2010/main" val="1902594791"/>
+        <p14:creationId xmlns:p14="http://schemas.microsoft.com/office/powerpoint/2010/main" val="3968347448"/>
       </p:ext>
     </p:extLst>
   </p:cSld>
@@ -6641,64 +7922,70 @@
           <a:chExt cx="0" cy="0"/>
         </a:xfrm>
       </p:grpSpPr>
-      <p:sp>
-        <p:nvSpPr>
-          <p:cNvPr id="2" name="Título 1">
+      <p:pic>
+        <p:nvPicPr>
+          <p:cNvPr id="3" name="Imagen 2">
             <a:extLst>
               <a:ext uri="{FF2B5EF4-FFF2-40B4-BE49-F238E27FC236}">
-                <a16:creationId xmlns:a16="http://schemas.microsoft.com/office/drawing/2014/main" id="{1F0C5861-666B-AA08-39E2-827DBB9DEA18}"/>
+                <a16:creationId xmlns:a16="http://schemas.microsoft.com/office/drawing/2014/main" id="{B4D644B0-8003-6109-C6E0-BF33506EE465}"/>
               </a:ext>
             </a:extLst>
           </p:cNvPr>
-          <p:cNvSpPr>
-            <a:spLocks noGrp="1"/>
-          </p:cNvSpPr>
-          <p:nvPr>
-            <p:ph type="title"/>
-          </p:nvPr>
-        </p:nvSpPr>
-        <p:spPr/>
-        <p:txBody>
-          <a:bodyPr/>
-          <a:lstStyle/>
-          <a:p>
-            <a:r>
-              <a:rPr lang="es-CR" dirty="0" err="1"/>
-              <a:t>Meshtastic</a:t>
-            </a:r>
-            <a:endParaRPr lang="es-CR" dirty="0"/>
-          </a:p>
-        </p:txBody>
-      </p:sp>
-      <p:sp>
-        <p:nvSpPr>
-          <p:cNvPr id="3" name="Marcador de contenido 2">
+          <p:cNvPicPr>
+            <a:picLocks noChangeAspect="1"/>
+          </p:cNvPicPr>
+          <p:nvPr/>
+        </p:nvPicPr>
+        <p:blipFill>
+          <a:blip r:embed="rId3"/>
+          <a:stretch>
+            <a:fillRect/>
+          </a:stretch>
+        </p:blipFill>
+        <p:spPr>
+          <a:xfrm>
+            <a:off x="739056" y="986412"/>
+            <a:ext cx="4980713" cy="4885175"/>
+          </a:xfrm>
+          <a:prstGeom prst="rect">
+            <a:avLst/>
+          </a:prstGeom>
+        </p:spPr>
+      </p:pic>
+      <p:pic>
+        <p:nvPicPr>
+          <p:cNvPr id="5" name="Imagen 4">
             <a:extLst>
               <a:ext uri="{FF2B5EF4-FFF2-40B4-BE49-F238E27FC236}">
-                <a16:creationId xmlns:a16="http://schemas.microsoft.com/office/drawing/2014/main" id="{3A39B3F5-1F82-382A-197A-C6EC700308D4}"/>
+                <a16:creationId xmlns:a16="http://schemas.microsoft.com/office/drawing/2014/main" id="{DD7B68F5-5AFD-7422-30C5-D5C659226B0E}"/>
               </a:ext>
             </a:extLst>
           </p:cNvPr>
-          <p:cNvSpPr>
-            <a:spLocks noGrp="1"/>
-          </p:cNvSpPr>
-          <p:nvPr>
-            <p:ph idx="1"/>
-          </p:nvPr>
-        </p:nvSpPr>
-        <p:spPr/>
-        <p:txBody>
-          <a:bodyPr/>
-          <a:lstStyle/>
-          <a:p>
-            <a:endParaRPr lang="es-CR"/>
-          </a:p>
-        </p:txBody>
-      </p:sp>
+          <p:cNvPicPr>
+            <a:picLocks noChangeAspect="1"/>
+          </p:cNvPicPr>
+          <p:nvPr/>
+        </p:nvPicPr>
+        <p:blipFill>
+          <a:blip r:embed="rId4"/>
+          <a:stretch>
+            <a:fillRect/>
+          </a:stretch>
+        </p:blipFill>
+        <p:spPr>
+          <a:xfrm>
+            <a:off x="6472231" y="2368367"/>
+            <a:ext cx="5381465" cy="2121265"/>
+          </a:xfrm>
+          <a:prstGeom prst="rect">
+            <a:avLst/>
+          </a:prstGeom>
+        </p:spPr>
+      </p:pic>
     </p:spTree>
     <p:extLst>
       <p:ext uri="{BB962C8B-B14F-4D97-AF65-F5344CB8AC3E}">
-        <p14:creationId xmlns:p14="http://schemas.microsoft.com/office/powerpoint/2010/main" val="2472684638"/>
+        <p14:creationId xmlns:p14="http://schemas.microsoft.com/office/powerpoint/2010/main" val="470304857"/>
       </p:ext>
     </p:extLst>
   </p:cSld>
@@ -6725,63 +8012,100 @@
           <a:chExt cx="0" cy="0"/>
         </a:xfrm>
       </p:grpSpPr>
-      <p:sp>
-        <p:nvSpPr>
-          <p:cNvPr id="2" name="Título 1">
+      <p:pic>
+        <p:nvPicPr>
+          <p:cNvPr id="3" name="Imagen 2">
             <a:extLst>
               <a:ext uri="{FF2B5EF4-FFF2-40B4-BE49-F238E27FC236}">
-                <a16:creationId xmlns:a16="http://schemas.microsoft.com/office/drawing/2014/main" id="{1F0C5861-666B-AA08-39E2-827DBB9DEA18}"/>
+                <a16:creationId xmlns:a16="http://schemas.microsoft.com/office/drawing/2014/main" id="{D12DE61C-E9E8-A678-710C-5F44FB6452A9}"/>
               </a:ext>
             </a:extLst>
           </p:cNvPr>
-          <p:cNvSpPr>
-            <a:spLocks noGrp="1"/>
-          </p:cNvSpPr>
-          <p:nvPr>
-            <p:ph type="title"/>
-          </p:nvPr>
-        </p:nvSpPr>
-        <p:spPr/>
-        <p:txBody>
-          <a:bodyPr/>
-          <a:lstStyle/>
-          <a:p>
-            <a:r>
-              <a:rPr lang="es-CR" dirty="0"/>
-              <a:t>ESP32</a:t>
-            </a:r>
-          </a:p>
-        </p:txBody>
-      </p:sp>
-      <p:sp>
-        <p:nvSpPr>
-          <p:cNvPr id="3" name="Marcador de contenido 2">
+          <p:cNvPicPr>
+            <a:picLocks noChangeAspect="1"/>
+          </p:cNvPicPr>
+          <p:nvPr/>
+        </p:nvPicPr>
+        <p:blipFill>
+          <a:blip r:embed="rId2"/>
+          <a:stretch>
+            <a:fillRect/>
+          </a:stretch>
+        </p:blipFill>
+        <p:spPr>
+          <a:xfrm>
+            <a:off x="5400578" y="584515"/>
+            <a:ext cx="1390844" cy="266737"/>
+          </a:xfrm>
+          <a:prstGeom prst="rect">
+            <a:avLst/>
+          </a:prstGeom>
+        </p:spPr>
+      </p:pic>
+      <p:pic>
+        <p:nvPicPr>
+          <p:cNvPr id="5" name="Imagen 4">
             <a:extLst>
               <a:ext uri="{FF2B5EF4-FFF2-40B4-BE49-F238E27FC236}">
-                <a16:creationId xmlns:a16="http://schemas.microsoft.com/office/drawing/2014/main" id="{3A39B3F5-1F82-382A-197A-C6EC700308D4}"/>
+                <a16:creationId xmlns:a16="http://schemas.microsoft.com/office/drawing/2014/main" id="{0F54C741-94E7-0BA8-5A6B-08E1AC0C905B}"/>
               </a:ext>
             </a:extLst>
           </p:cNvPr>
-          <p:cNvSpPr>
-            <a:spLocks noGrp="1"/>
-          </p:cNvSpPr>
-          <p:nvPr>
-            <p:ph idx="1"/>
-          </p:nvPr>
-        </p:nvSpPr>
-        <p:spPr/>
-        <p:txBody>
-          <a:bodyPr/>
-          <a:lstStyle/>
-          <a:p>
-            <a:endParaRPr lang="es-CR"/>
-          </a:p>
-        </p:txBody>
-      </p:sp>
+          <p:cNvPicPr>
+            <a:picLocks noChangeAspect="1"/>
+          </p:cNvPicPr>
+          <p:nvPr/>
+        </p:nvPicPr>
+        <p:blipFill>
+          <a:blip r:embed="rId3"/>
+          <a:stretch>
+            <a:fillRect/>
+          </a:stretch>
+        </p:blipFill>
+        <p:spPr>
+          <a:xfrm>
+            <a:off x="2495047" y="1318324"/>
+            <a:ext cx="7201905" cy="1943371"/>
+          </a:xfrm>
+          <a:prstGeom prst="rect">
+            <a:avLst/>
+          </a:prstGeom>
+        </p:spPr>
+      </p:pic>
+      <p:pic>
+        <p:nvPicPr>
+          <p:cNvPr id="7" name="Imagen 6">
+            <a:extLst>
+              <a:ext uri="{FF2B5EF4-FFF2-40B4-BE49-F238E27FC236}">
+                <a16:creationId xmlns:a16="http://schemas.microsoft.com/office/drawing/2014/main" id="{8D339753-9183-C466-364C-38700976339B}"/>
+              </a:ext>
+            </a:extLst>
+          </p:cNvPr>
+          <p:cNvPicPr>
+            <a:picLocks noChangeAspect="1"/>
+          </p:cNvPicPr>
+          <p:nvPr/>
+        </p:nvPicPr>
+        <p:blipFill>
+          <a:blip r:embed="rId4"/>
+          <a:stretch>
+            <a:fillRect/>
+          </a:stretch>
+        </p:blipFill>
+        <p:spPr>
+          <a:xfrm>
+            <a:off x="5009997" y="3788925"/>
+            <a:ext cx="2172003" cy="1390844"/>
+          </a:xfrm>
+          <a:prstGeom prst="rect">
+            <a:avLst/>
+          </a:prstGeom>
+        </p:spPr>
+      </p:pic>
     </p:spTree>
     <p:extLst>
       <p:ext uri="{BB962C8B-B14F-4D97-AF65-F5344CB8AC3E}">
-        <p14:creationId xmlns:p14="http://schemas.microsoft.com/office/powerpoint/2010/main" val="885884233"/>
+        <p14:creationId xmlns:p14="http://schemas.microsoft.com/office/powerpoint/2010/main" val="3770852599"/>
       </p:ext>
     </p:extLst>
   </p:cSld>
@@ -6808,76 +8132,130 @@
           <a:chExt cx="0" cy="0"/>
         </a:xfrm>
       </p:grpSpPr>
-      <p:sp>
-        <p:nvSpPr>
-          <p:cNvPr id="2" name="Título 1">
+      <p:pic>
+        <p:nvPicPr>
+          <p:cNvPr id="2" name="Imagen 1">
             <a:extLst>
               <a:ext uri="{FF2B5EF4-FFF2-40B4-BE49-F238E27FC236}">
-                <a16:creationId xmlns:a16="http://schemas.microsoft.com/office/drawing/2014/main" id="{1F0C5861-666B-AA08-39E2-827DBB9DEA18}"/>
+                <a16:creationId xmlns:a16="http://schemas.microsoft.com/office/drawing/2014/main" id="{65AD4390-E022-147A-411D-83CB9FDED1E8}"/>
               </a:ext>
             </a:extLst>
           </p:cNvPr>
-          <p:cNvSpPr>
-            <a:spLocks noGrp="1"/>
-          </p:cNvSpPr>
-          <p:nvPr>
-            <p:ph type="title"/>
-          </p:nvPr>
-        </p:nvSpPr>
-        <p:spPr/>
-        <p:txBody>
-          <a:bodyPr/>
-          <a:lstStyle/>
-          <a:p>
-            <a:r>
-              <a:rPr lang="es-CR" dirty="0"/>
-              <a:t>Visual Studio </a:t>
-            </a:r>
-            <a:r>
-              <a:rPr lang="es-CR" dirty="0" err="1"/>
-              <a:t>Code</a:t>
-            </a:r>
-            <a:r>
-              <a:rPr lang="es-CR" dirty="0"/>
-              <a:t> - </a:t>
-            </a:r>
-            <a:r>
-              <a:rPr lang="es-CR" dirty="0" err="1"/>
-              <a:t>Platformio</a:t>
-            </a:r>
-            <a:endParaRPr lang="es-CR" dirty="0"/>
-          </a:p>
-        </p:txBody>
-      </p:sp>
-      <p:sp>
-        <p:nvSpPr>
-          <p:cNvPr id="3" name="Marcador de contenido 2">
+          <p:cNvPicPr>
+            <a:picLocks noChangeAspect="1"/>
+          </p:cNvPicPr>
+          <p:nvPr/>
+        </p:nvPicPr>
+        <p:blipFill>
+          <a:blip r:embed="rId3"/>
+          <a:stretch>
+            <a:fillRect/>
+          </a:stretch>
+        </p:blipFill>
+        <p:spPr>
+          <a:xfrm>
+            <a:off x="5400578" y="584515"/>
+            <a:ext cx="1390844" cy="266737"/>
+          </a:xfrm>
+          <a:prstGeom prst="rect">
+            <a:avLst/>
+          </a:prstGeom>
+        </p:spPr>
+      </p:pic>
+      <p:pic>
+        <p:nvPicPr>
+          <p:cNvPr id="4" name="Imagen 3">
             <a:extLst>
               <a:ext uri="{FF2B5EF4-FFF2-40B4-BE49-F238E27FC236}">
-                <a16:creationId xmlns:a16="http://schemas.microsoft.com/office/drawing/2014/main" id="{3A39B3F5-1F82-382A-197A-C6EC700308D4}"/>
+                <a16:creationId xmlns:a16="http://schemas.microsoft.com/office/drawing/2014/main" id="{A59C515D-A51D-C12C-7D2E-CE097A02EFD9}"/>
               </a:ext>
             </a:extLst>
           </p:cNvPr>
-          <p:cNvSpPr>
-            <a:spLocks noGrp="1"/>
-          </p:cNvSpPr>
-          <p:nvPr>
-            <p:ph idx="1"/>
-          </p:nvPr>
-        </p:nvSpPr>
-        <p:spPr/>
-        <p:txBody>
-          <a:bodyPr/>
-          <a:lstStyle/>
-          <a:p>
-            <a:endParaRPr lang="es-CR"/>
-          </a:p>
-        </p:txBody>
-      </p:sp>
+          <p:cNvPicPr>
+            <a:picLocks noChangeAspect="1"/>
+          </p:cNvPicPr>
+          <p:nvPr/>
+        </p:nvPicPr>
+        <p:blipFill>
+          <a:blip r:embed="rId4"/>
+          <a:stretch>
+            <a:fillRect/>
+          </a:stretch>
+        </p:blipFill>
+        <p:spPr>
+          <a:xfrm>
+            <a:off x="641685" y="1350111"/>
+            <a:ext cx="5206646" cy="4675941"/>
+          </a:xfrm>
+          <a:prstGeom prst="rect">
+            <a:avLst/>
+          </a:prstGeom>
+        </p:spPr>
+      </p:pic>
+      <p:pic>
+        <p:nvPicPr>
+          <p:cNvPr id="6" name="Imagen 5">
+            <a:extLst>
+              <a:ext uri="{FF2B5EF4-FFF2-40B4-BE49-F238E27FC236}">
+                <a16:creationId xmlns:a16="http://schemas.microsoft.com/office/drawing/2014/main" id="{92AFA8FC-23D4-2FB3-0BCE-A5CA8D4B86F2}"/>
+              </a:ext>
+            </a:extLst>
+          </p:cNvPr>
+          <p:cNvPicPr>
+            <a:picLocks noChangeAspect="1"/>
+          </p:cNvPicPr>
+          <p:nvPr/>
+        </p:nvPicPr>
+        <p:blipFill>
+          <a:blip r:embed="rId5"/>
+          <a:stretch>
+            <a:fillRect/>
+          </a:stretch>
+        </p:blipFill>
+        <p:spPr>
+          <a:xfrm>
+            <a:off x="6582296" y="1083374"/>
+            <a:ext cx="5206647" cy="2380353"/>
+          </a:xfrm>
+          <a:prstGeom prst="rect">
+            <a:avLst/>
+          </a:prstGeom>
+        </p:spPr>
+      </p:pic>
+      <p:pic>
+        <p:nvPicPr>
+          <p:cNvPr id="8" name="Imagen 7">
+            <a:extLst>
+              <a:ext uri="{FF2B5EF4-FFF2-40B4-BE49-F238E27FC236}">
+                <a16:creationId xmlns:a16="http://schemas.microsoft.com/office/drawing/2014/main" id="{64D68F75-4897-5398-E347-381B17C4B016}"/>
+              </a:ext>
+            </a:extLst>
+          </p:cNvPr>
+          <p:cNvPicPr>
+            <a:picLocks noChangeAspect="1"/>
+          </p:cNvPicPr>
+          <p:nvPr/>
+        </p:nvPicPr>
+        <p:blipFill>
+          <a:blip r:embed="rId6"/>
+          <a:stretch>
+            <a:fillRect/>
+          </a:stretch>
+        </p:blipFill>
+        <p:spPr>
+          <a:xfrm>
+            <a:off x="6582297" y="3883994"/>
+            <a:ext cx="5206646" cy="2389491"/>
+          </a:xfrm>
+          <a:prstGeom prst="rect">
+            <a:avLst/>
+          </a:prstGeom>
+        </p:spPr>
+      </p:pic>
     </p:spTree>
     <p:extLst>
       <p:ext uri="{BB962C8B-B14F-4D97-AF65-F5344CB8AC3E}">
-        <p14:creationId xmlns:p14="http://schemas.microsoft.com/office/powerpoint/2010/main" val="1575718338"/>
+        <p14:creationId xmlns:p14="http://schemas.microsoft.com/office/powerpoint/2010/main" val="3635948718"/>
       </p:ext>
     </p:extLst>
   </p:cSld>
@@ -7141,4 +8519,319 @@
     </a:ext>
   </a:extLst>
 </a:theme>
+</file>
+
+<file path=ppt/theme/theme2.xml><?xml version="1.0" encoding="utf-8"?>
+<a:theme xmlns:a="http://schemas.openxmlformats.org/drawingml/2006/main" name="Tema de Office">
+  <a:themeElements>
+    <a:clrScheme name="Office">
+      <a:dk1>
+        <a:sysClr val="windowText" lastClr="000000"/>
+      </a:dk1>
+      <a:lt1>
+        <a:sysClr val="window" lastClr="FFFFFF"/>
+      </a:lt1>
+      <a:dk2>
+        <a:srgbClr val="0E2841"/>
+      </a:dk2>
+      <a:lt2>
+        <a:srgbClr val="E8E8E8"/>
+      </a:lt2>
+      <a:accent1>
+        <a:srgbClr val="156082"/>
+      </a:accent1>
+      <a:accent2>
+        <a:srgbClr val="E97132"/>
+      </a:accent2>
+      <a:accent3>
+        <a:srgbClr val="196B24"/>
+      </a:accent3>
+      <a:accent4>
+        <a:srgbClr val="0F9ED5"/>
+      </a:accent4>
+      <a:accent5>
+        <a:srgbClr val="A02B93"/>
+      </a:accent5>
+      <a:accent6>
+        <a:srgbClr val="4EA72E"/>
+      </a:accent6>
+      <a:hlink>
+        <a:srgbClr val="467886"/>
+      </a:hlink>
+      <a:folHlink>
+        <a:srgbClr val="96607D"/>
+      </a:folHlink>
+    </a:clrScheme>
+    <a:fontScheme name="Office">
+      <a:majorFont>
+        <a:latin typeface="Aptos Display" panose="02110004020202020204"/>
+        <a:ea typeface=""/>
+        <a:cs typeface=""/>
+        <a:font script="Jpan" typeface="游ゴシック Light"/>
+        <a:font script="Hang" typeface="맑은 고딕"/>
+        <a:font script="Hans" typeface="等线 Light"/>
+        <a:font script="Hant" typeface="新細明體"/>
+        <a:font script="Arab" typeface="Times New Roman"/>
+        <a:font script="Hebr" typeface="Times New Roman"/>
+        <a:font script="Thai" typeface="Angsana New"/>
+        <a:font script="Ethi" typeface="Nyala"/>
+        <a:font script="Beng" typeface="Vrinda"/>
+        <a:font script="Gujr" typeface="Shruti"/>
+        <a:font script="Khmr" typeface="MoolBoran"/>
+        <a:font script="Knda" typeface="Tunga"/>
+        <a:font script="Guru" typeface="Raavi"/>
+        <a:font script="Cans" typeface="Euphemia"/>
+        <a:font script="Cher" typeface="Plantagenet Cherokee"/>
+        <a:font script="Yiii" typeface="Microsoft Yi Baiti"/>
+        <a:font script="Tibt" typeface="Microsoft Himalaya"/>
+        <a:font script="Thaa" typeface="MV Boli"/>
+        <a:font script="Deva" typeface="Mangal"/>
+        <a:font script="Telu" typeface="Gautami"/>
+        <a:font script="Taml" typeface="Latha"/>
+        <a:font script="Syrc" typeface="Estrangelo Edessa"/>
+        <a:font script="Orya" typeface="Kalinga"/>
+        <a:font script="Mlym" typeface="Kartika"/>
+        <a:font script="Laoo" typeface="DokChampa"/>
+        <a:font script="Sinh" typeface="Iskoola Pota"/>
+        <a:font script="Mong" typeface="Mongolian Baiti"/>
+        <a:font script="Viet" typeface="Times New Roman"/>
+        <a:font script="Uigh" typeface="Microsoft Uighur"/>
+        <a:font script="Geor" typeface="Sylfaen"/>
+        <a:font script="Armn" typeface="Arial"/>
+        <a:font script="Bugi" typeface="Leelawadee UI"/>
+        <a:font script="Bopo" typeface="Microsoft JhengHei"/>
+        <a:font script="Java" typeface="Javanese Text"/>
+        <a:font script="Lisu" typeface="Segoe UI"/>
+        <a:font script="Mymr" typeface="Myanmar Text"/>
+        <a:font script="Nkoo" typeface="Ebrima"/>
+        <a:font script="Olck" typeface="Nirmala UI"/>
+        <a:font script="Osma" typeface="Ebrima"/>
+        <a:font script="Phag" typeface="Phagspa"/>
+        <a:font script="Syrn" typeface="Estrangelo Edessa"/>
+        <a:font script="Syrj" typeface="Estrangelo Edessa"/>
+        <a:font script="Syre" typeface="Estrangelo Edessa"/>
+        <a:font script="Sora" typeface="Nirmala UI"/>
+        <a:font script="Tale" typeface="Microsoft Tai Le"/>
+        <a:font script="Talu" typeface="Microsoft New Tai Lue"/>
+        <a:font script="Tfng" typeface="Ebrima"/>
+      </a:majorFont>
+      <a:minorFont>
+        <a:latin typeface="Aptos" panose="02110004020202020204"/>
+        <a:ea typeface=""/>
+        <a:cs typeface=""/>
+        <a:font script="Jpan" typeface="游ゴシック"/>
+        <a:font script="Hang" typeface="맑은 고딕"/>
+        <a:font script="Hans" typeface="等线"/>
+        <a:font script="Hant" typeface="新細明體"/>
+        <a:font script="Arab" typeface="Arial"/>
+        <a:font script="Hebr" typeface="Arial"/>
+        <a:font script="Thai" typeface="Cordia New"/>
+        <a:font script="Ethi" typeface="Nyala"/>
+        <a:font script="Beng" typeface="Vrinda"/>
+        <a:font script="Gujr" typeface="Shruti"/>
+        <a:font script="Khmr" typeface="DaunPenh"/>
+        <a:font script="Knda" typeface="Tunga"/>
+        <a:font script="Guru" typeface="Raavi"/>
+        <a:font script="Cans" typeface="Euphemia"/>
+        <a:font script="Cher" typeface="Plantagenet Cherokee"/>
+        <a:font script="Yiii" typeface="Microsoft Yi Baiti"/>
+        <a:font script="Tibt" typeface="Microsoft Himalaya"/>
+        <a:font script="Thaa" typeface="MV Boli"/>
+        <a:font script="Deva" typeface="Mangal"/>
+        <a:font script="Telu" typeface="Gautami"/>
+        <a:font script="Taml" typeface="Latha"/>
+        <a:font script="Syrc" typeface="Estrangelo Edessa"/>
+        <a:font script="Orya" typeface="Kalinga"/>
+        <a:font script="Mlym" typeface="Kartika"/>
+        <a:font script="Laoo" typeface="DokChampa"/>
+        <a:font script="Sinh" typeface="Iskoola Pota"/>
+        <a:font script="Mong" typeface="Mongolian Baiti"/>
+        <a:font script="Viet" typeface="Arial"/>
+        <a:font script="Uigh" typeface="Microsoft Uighur"/>
+        <a:font script="Geor" typeface="Sylfaen"/>
+        <a:font script="Armn" typeface="Arial"/>
+        <a:font script="Bugi" typeface="Leelawadee UI"/>
+        <a:font script="Bopo" typeface="Microsoft JhengHei"/>
+        <a:font script="Java" typeface="Javanese Text"/>
+        <a:font script="Lisu" typeface="Segoe UI"/>
+        <a:font script="Mymr" typeface="Myanmar Text"/>
+        <a:font script="Nkoo" typeface="Ebrima"/>
+        <a:font script="Olck" typeface="Nirmala UI"/>
+        <a:font script="Osma" typeface="Ebrima"/>
+        <a:font script="Phag" typeface="Phagspa"/>
+        <a:font script="Syrn" typeface="Estrangelo Edessa"/>
+        <a:font script="Syrj" typeface="Estrangelo Edessa"/>
+        <a:font script="Syre" typeface="Estrangelo Edessa"/>
+        <a:font script="Sora" typeface="Nirmala UI"/>
+        <a:font script="Tale" typeface="Microsoft Tai Le"/>
+        <a:font script="Talu" typeface="Microsoft New Tai Lue"/>
+        <a:font script="Tfng" typeface="Ebrima"/>
+      </a:minorFont>
+    </a:fontScheme>
+    <a:fmtScheme name="Office">
+      <a:fillStyleLst>
+        <a:solidFill>
+          <a:schemeClr val="phClr"/>
+        </a:solidFill>
+        <a:gradFill rotWithShape="1">
+          <a:gsLst>
+            <a:gs pos="0">
+              <a:schemeClr val="phClr">
+                <a:lumMod val="110000"/>
+                <a:satMod val="105000"/>
+                <a:tint val="67000"/>
+              </a:schemeClr>
+            </a:gs>
+            <a:gs pos="50000">
+              <a:schemeClr val="phClr">
+                <a:lumMod val="105000"/>
+                <a:satMod val="103000"/>
+                <a:tint val="73000"/>
+              </a:schemeClr>
+            </a:gs>
+            <a:gs pos="100000">
+              <a:schemeClr val="phClr">
+                <a:lumMod val="105000"/>
+                <a:satMod val="109000"/>
+                <a:tint val="81000"/>
+              </a:schemeClr>
+            </a:gs>
+          </a:gsLst>
+          <a:lin ang="5400000" scaled="0"/>
+        </a:gradFill>
+        <a:gradFill rotWithShape="1">
+          <a:gsLst>
+            <a:gs pos="0">
+              <a:schemeClr val="phClr">
+                <a:satMod val="103000"/>
+                <a:lumMod val="102000"/>
+                <a:tint val="94000"/>
+              </a:schemeClr>
+            </a:gs>
+            <a:gs pos="50000">
+              <a:schemeClr val="phClr">
+                <a:satMod val="110000"/>
+                <a:lumMod val="100000"/>
+                <a:shade val="100000"/>
+              </a:schemeClr>
+            </a:gs>
+            <a:gs pos="100000">
+              <a:schemeClr val="phClr">
+                <a:lumMod val="99000"/>
+                <a:satMod val="120000"/>
+                <a:shade val="78000"/>
+              </a:schemeClr>
+            </a:gs>
+          </a:gsLst>
+          <a:lin ang="5400000" scaled="0"/>
+        </a:gradFill>
+      </a:fillStyleLst>
+      <a:lnStyleLst>
+        <a:ln w="12700" cap="flat" cmpd="sng" algn="ctr">
+          <a:solidFill>
+            <a:schemeClr val="phClr"/>
+          </a:solidFill>
+          <a:prstDash val="solid"/>
+          <a:miter lim="800000"/>
+        </a:ln>
+        <a:ln w="19050" cap="flat" cmpd="sng" algn="ctr">
+          <a:solidFill>
+            <a:schemeClr val="phClr"/>
+          </a:solidFill>
+          <a:prstDash val="solid"/>
+          <a:miter lim="800000"/>
+        </a:ln>
+        <a:ln w="25400" cap="flat" cmpd="sng" algn="ctr">
+          <a:solidFill>
+            <a:schemeClr val="phClr"/>
+          </a:solidFill>
+          <a:prstDash val="solid"/>
+          <a:miter lim="800000"/>
+        </a:ln>
+      </a:lnStyleLst>
+      <a:effectStyleLst>
+        <a:effectStyle>
+          <a:effectLst/>
+        </a:effectStyle>
+        <a:effectStyle>
+          <a:effectLst/>
+        </a:effectStyle>
+        <a:effectStyle>
+          <a:effectLst>
+            <a:outerShdw blurRad="57150" dist="19050" dir="5400000" algn="ctr" rotWithShape="0">
+              <a:srgbClr val="000000">
+                <a:alpha val="63000"/>
+              </a:srgbClr>
+            </a:outerShdw>
+          </a:effectLst>
+        </a:effectStyle>
+      </a:effectStyleLst>
+      <a:bgFillStyleLst>
+        <a:solidFill>
+          <a:schemeClr val="phClr"/>
+        </a:solidFill>
+        <a:solidFill>
+          <a:schemeClr val="phClr">
+            <a:tint val="95000"/>
+            <a:satMod val="170000"/>
+          </a:schemeClr>
+        </a:solidFill>
+        <a:gradFill rotWithShape="1">
+          <a:gsLst>
+            <a:gs pos="0">
+              <a:schemeClr val="phClr">
+                <a:tint val="93000"/>
+                <a:satMod val="150000"/>
+                <a:shade val="98000"/>
+                <a:lumMod val="102000"/>
+              </a:schemeClr>
+            </a:gs>
+            <a:gs pos="50000">
+              <a:schemeClr val="phClr">
+                <a:tint val="98000"/>
+                <a:satMod val="130000"/>
+                <a:shade val="90000"/>
+                <a:lumMod val="103000"/>
+              </a:schemeClr>
+            </a:gs>
+            <a:gs pos="100000">
+              <a:schemeClr val="phClr">
+                <a:shade val="63000"/>
+                <a:satMod val="120000"/>
+              </a:schemeClr>
+            </a:gs>
+          </a:gsLst>
+          <a:lin ang="5400000" scaled="0"/>
+        </a:gradFill>
+      </a:bgFillStyleLst>
+    </a:fmtScheme>
+  </a:themeElements>
+  <a:objectDefaults>
+    <a:lnDef>
+      <a:spPr/>
+      <a:bodyPr/>
+      <a:lstStyle/>
+      <a:style>
+        <a:lnRef idx="2">
+          <a:schemeClr val="accent1"/>
+        </a:lnRef>
+        <a:fillRef idx="0">
+          <a:schemeClr val="accent1"/>
+        </a:fillRef>
+        <a:effectRef idx="1">
+          <a:schemeClr val="accent1"/>
+        </a:effectRef>
+        <a:fontRef idx="minor">
+          <a:schemeClr val="tx1"/>
+        </a:fontRef>
+      </a:style>
+    </a:lnDef>
+  </a:objectDefaults>
+  <a:extraClrSchemeLst/>
+  <a:extLst>
+    <a:ext uri="{05A4C25C-085E-4340-85A3-A5531E510DB2}">
+      <thm15:themeFamily xmlns:thm15="http://schemas.microsoft.com/office/thememl/2012/main" name="Office Theme" id="{2E142A2C-CD16-42D6-873A-C26D2A0506FA}" vid="{1BDDFF52-6CD6-40A5-AB3C-68EB2F1E4D0A}"/>
+    </a:ext>
+  </a:extLst>
+</a:theme>
 </file>
--- a/Conceptos previos.pptx
+++ b/Conceptos previos.pptx
@@ -5,7 +5,7 @@
     <p:sldMasterId id="2147483690" r:id="rId1"/>
   </p:sldMasterIdLst>
   <p:notesMasterIdLst>
-    <p:notesMasterId r:id="rId16"/>
+    <p:notesMasterId r:id="rId17"/>
   </p:notesMasterIdLst>
   <p:sldIdLst>
     <p:sldId id="256" r:id="rId2"/>
@@ -22,6 +22,7 @@
     <p:sldId id="263" r:id="rId13"/>
     <p:sldId id="261" r:id="rId14"/>
     <p:sldId id="262" r:id="rId15"/>
+    <p:sldId id="270" r:id="rId16"/>
   </p:sldIdLst>
   <p:sldSz cx="12192000" cy="6858000"/>
   <p:notesSz cx="6858000" cy="9144000"/>
@@ -622,7 +623,7 @@
           <a:p>
             <a:fld id="{B90CDDB4-791D-4322-B08B-EE70DF2AA906}" type="slidenum">
               <a:rPr lang="es-CR" smtClean="0"/>
-              <a:t>‹Nº›</a:t>
+              <a:t>‹#›</a:t>
             </a:fld>
             <a:endParaRPr lang="es-CR"/>
           </a:p>
@@ -943,6 +944,90 @@
 </p:notes>
 </file>
 
+<file path=ppt/notesSlides/notesSlide3.xml><?xml version="1.0" encoding="utf-8"?>
+<p:notes xmlns:a="http://schemas.openxmlformats.org/drawingml/2006/main" xmlns:r="http://schemas.openxmlformats.org/officeDocument/2006/relationships" xmlns:p="http://schemas.openxmlformats.org/presentationml/2006/main">
+  <p:cSld>
+    <p:spTree>
+      <p:nvGrpSpPr>
+        <p:cNvPr id="1" name=""/>
+        <p:cNvGrpSpPr/>
+        <p:nvPr/>
+      </p:nvGrpSpPr>
+      <p:grpSpPr>
+        <a:xfrm>
+          <a:off x="0" y="0"/>
+          <a:ext cx="0" cy="0"/>
+          <a:chOff x="0" y="0"/>
+          <a:chExt cx="0" cy="0"/>
+        </a:xfrm>
+      </p:grpSpPr>
+      <p:sp>
+        <p:nvSpPr>
+          <p:cNvPr id="2" name="Slide Image Placeholder 1"/>
+          <p:cNvSpPr>
+            <a:spLocks noGrp="1" noRot="1" noChangeAspect="1"/>
+          </p:cNvSpPr>
+          <p:nvPr>
+            <p:ph type="sldImg"/>
+          </p:nvPr>
+        </p:nvSpPr>
+        <p:spPr/>
+      </p:sp>
+      <p:sp>
+        <p:nvSpPr>
+          <p:cNvPr id="3" name="Notes Placeholder 2"/>
+          <p:cNvSpPr>
+            <a:spLocks noGrp="1"/>
+          </p:cNvSpPr>
+          <p:nvPr>
+            <p:ph type="body" idx="1"/>
+          </p:nvPr>
+        </p:nvSpPr>
+        <p:spPr/>
+        <p:txBody>
+          <a:bodyPr/>
+          <a:lstStyle/>
+          <a:p>
+            <a:endParaRPr lang="en-US" dirty="0"/>
+          </a:p>
+        </p:txBody>
+      </p:sp>
+      <p:sp>
+        <p:nvSpPr>
+          <p:cNvPr id="4" name="Slide Number Placeholder 3"/>
+          <p:cNvSpPr>
+            <a:spLocks noGrp="1"/>
+          </p:cNvSpPr>
+          <p:nvPr>
+            <p:ph type="sldNum" sz="quarter" idx="5"/>
+          </p:nvPr>
+        </p:nvSpPr>
+        <p:spPr/>
+        <p:txBody>
+          <a:bodyPr/>
+          <a:lstStyle/>
+          <a:p>
+            <a:fld id="{B90CDDB4-791D-4322-B08B-EE70DF2AA906}" type="slidenum">
+              <a:rPr lang="es-CR" smtClean="0"/>
+              <a:t>13</a:t>
+            </a:fld>
+            <a:endParaRPr lang="es-CR"/>
+          </a:p>
+        </p:txBody>
+      </p:sp>
+    </p:spTree>
+    <p:extLst>
+      <p:ext uri="{BB962C8B-B14F-4D97-AF65-F5344CB8AC3E}">
+        <p14:creationId xmlns:p14="http://schemas.microsoft.com/office/powerpoint/2010/main" val="1098854722"/>
+      </p:ext>
+    </p:extLst>
+  </p:cSld>
+  <p:clrMapOvr>
+    <a:masterClrMapping/>
+  </p:clrMapOvr>
+</p:notes>
+</file>
+
 <file path=ppt/slideLayouts/slideLayout1.xml><?xml version="1.0" encoding="utf-8"?>
 <p:sldLayout xmlns:a="http://schemas.openxmlformats.org/drawingml/2006/main" xmlns:r="http://schemas.openxmlformats.org/officeDocument/2006/relationships" xmlns:p="http://schemas.openxmlformats.org/presentationml/2006/main" type="title" preserve="1">
   <p:cSld name="Diapositiva de título">
@@ -1118,7 +1203,7 @@
           <a:p>
             <a:fld id="{99028668-1F91-4E51-B690-918D7B078ED8}" type="slidenum">
               <a:rPr lang="es-CR" smtClean="0"/>
-              <a:t>‹Nº›</a:t>
+              <a:t>‹#›</a:t>
             </a:fld>
             <a:endParaRPr lang="es-CR"/>
           </a:p>
@@ -1405,7 +1490,7 @@
           <a:p>
             <a:fld id="{99028668-1F91-4E51-B690-918D7B078ED8}" type="slidenum">
               <a:rPr lang="es-CR" smtClean="0"/>
-              <a:t>‹Nº›</a:t>
+              <a:t>‹#›</a:t>
             </a:fld>
             <a:endParaRPr lang="es-CR"/>
           </a:p>
@@ -1597,7 +1682,7 @@
           <a:p>
             <a:fld id="{99028668-1F91-4E51-B690-918D7B078ED8}" type="slidenum">
               <a:rPr lang="es-CR" smtClean="0"/>
-              <a:t>‹Nº›</a:t>
+              <a:t>‹#›</a:t>
             </a:fld>
             <a:endParaRPr lang="es-CR"/>
           </a:p>
@@ -1858,7 +1943,7 @@
           <a:p>
             <a:fld id="{99028668-1F91-4E51-B690-918D7B078ED8}" type="slidenum">
               <a:rPr lang="es-CR" smtClean="0"/>
-              <a:t>‹Nº›</a:t>
+              <a:t>‹#›</a:t>
             </a:fld>
             <a:endParaRPr lang="es-CR"/>
           </a:p>
@@ -2282,7 +2367,7 @@
           <a:p>
             <a:fld id="{99028668-1F91-4E51-B690-918D7B078ED8}" type="slidenum">
               <a:rPr lang="es-CR" smtClean="0"/>
-              <a:t>‹Nº›</a:t>
+              <a:t>‹#›</a:t>
             </a:fld>
             <a:endParaRPr lang="es-CR"/>
           </a:p>
@@ -2828,7 +2913,7 @@
           <a:p>
             <a:fld id="{99028668-1F91-4E51-B690-918D7B078ED8}" type="slidenum">
               <a:rPr lang="es-CR" smtClean="0"/>
-              <a:t>‹Nº›</a:t>
+              <a:t>‹#›</a:t>
             </a:fld>
             <a:endParaRPr lang="es-CR"/>
           </a:p>
@@ -3668,7 +3753,7 @@
           <a:p>
             <a:fld id="{99028668-1F91-4E51-B690-918D7B078ED8}" type="slidenum">
               <a:rPr lang="es-CR" smtClean="0"/>
-              <a:t>‹Nº›</a:t>
+              <a:t>‹#›</a:t>
             </a:fld>
             <a:endParaRPr lang="es-CR"/>
           </a:p>
@@ -3838,7 +3923,7 @@
           <a:p>
             <a:fld id="{99028668-1F91-4E51-B690-918D7B078ED8}" type="slidenum">
               <a:rPr lang="es-CR" smtClean="0"/>
-              <a:t>‹Nº›</a:t>
+              <a:t>‹#›</a:t>
             </a:fld>
             <a:endParaRPr lang="es-CR"/>
           </a:p>
@@ -4022,7 +4107,7 @@
           <a:p>
             <a:fld id="{99028668-1F91-4E51-B690-918D7B078ED8}" type="slidenum">
               <a:rPr lang="es-CR" smtClean="0"/>
-              <a:t>‹Nº›</a:t>
+              <a:t>‹#›</a:t>
             </a:fld>
             <a:endParaRPr lang="es-CR"/>
           </a:p>
@@ -4192,7 +4277,7 @@
           <a:p>
             <a:fld id="{99028668-1F91-4E51-B690-918D7B078ED8}" type="slidenum">
               <a:rPr lang="es-CR" smtClean="0"/>
-              <a:t>‹Nº›</a:t>
+              <a:t>‹#›</a:t>
             </a:fld>
             <a:endParaRPr lang="es-CR"/>
           </a:p>
@@ -4440,7 +4525,7 @@
           <a:p>
             <a:fld id="{99028668-1F91-4E51-B690-918D7B078ED8}" type="slidenum">
               <a:rPr lang="es-CR" smtClean="0"/>
-              <a:t>‹Nº›</a:t>
+              <a:t>‹#›</a:t>
             </a:fld>
             <a:endParaRPr lang="es-CR"/>
           </a:p>
@@ -4677,7 +4762,7 @@
           <a:p>
             <a:fld id="{99028668-1F91-4E51-B690-918D7B078ED8}" type="slidenum">
               <a:rPr lang="es-CR" smtClean="0"/>
-              <a:t>‹Nº›</a:t>
+              <a:t>‹#›</a:t>
             </a:fld>
             <a:endParaRPr lang="es-CR"/>
           </a:p>
@@ -5050,7 +5135,7 @@
           <a:p>
             <a:fld id="{99028668-1F91-4E51-B690-918D7B078ED8}" type="slidenum">
               <a:rPr lang="es-CR" smtClean="0"/>
-              <a:t>‹Nº›</a:t>
+              <a:t>‹#›</a:t>
             </a:fld>
             <a:endParaRPr lang="es-CR"/>
           </a:p>
@@ -5168,7 +5253,7 @@
           <a:p>
             <a:fld id="{99028668-1F91-4E51-B690-918D7B078ED8}" type="slidenum">
               <a:rPr lang="es-CR" smtClean="0"/>
-              <a:t>‹Nº›</a:t>
+              <a:t>‹#›</a:t>
             </a:fld>
             <a:endParaRPr lang="es-CR"/>
           </a:p>
@@ -5263,7 +5348,7 @@
           <a:p>
             <a:fld id="{99028668-1F91-4E51-B690-918D7B078ED8}" type="slidenum">
               <a:rPr lang="es-CR" smtClean="0"/>
-              <a:t>‹Nº›</a:t>
+              <a:t>‹#›</a:t>
             </a:fld>
             <a:endParaRPr lang="es-CR"/>
           </a:p>
@@ -5514,7 +5599,7 @@
           <a:p>
             <a:fld id="{99028668-1F91-4E51-B690-918D7B078ED8}" type="slidenum">
               <a:rPr lang="es-CR" smtClean="0"/>
-              <a:t>‹Nº›</a:t>
+              <a:t>‹#›</a:t>
             </a:fld>
             <a:endParaRPr lang="es-CR"/>
           </a:p>
@@ -5801,7 +5886,7 @@
           <a:p>
             <a:fld id="{99028668-1F91-4E51-B690-918D7B078ED8}" type="slidenum">
               <a:rPr lang="es-CR" smtClean="0"/>
-              <a:t>‹Nº›</a:t>
+              <a:t>‹#›</a:t>
             </a:fld>
             <a:endParaRPr lang="es-CR"/>
           </a:p>
@@ -6050,7 +6135,7 @@
           <a:p>
             <a:fld id="{99028668-1F91-4E51-B690-918D7B078ED8}" type="slidenum">
               <a:rPr lang="es-CR" smtClean="0"/>
-              <a:t>‹Nº›</a:t>
+              <a:t>‹#›</a:t>
             </a:fld>
             <a:endParaRPr lang="es-CR"/>
           </a:p>
@@ -6904,13 +6989,163 @@
         </p:nvSpPr>
         <p:spPr/>
         <p:txBody>
-          <a:bodyPr/>
+          <a:bodyPr>
+            <a:normAutofit fontScale="92500" lnSpcReduction="10000"/>
+          </a:bodyPr>
           <a:lstStyle/>
           <a:p>
-            <a:endParaRPr lang="es-CR"/>
-          </a:p>
-        </p:txBody>
-      </p:sp>
+            <a:r>
+              <a:rPr lang="es-CR" sz="1800" b="1" dirty="0">
+                <a:effectLst/>
+                <a:latin typeface="Aptos" panose="020B0004020202020204" pitchFamily="34" charset="0"/>
+                <a:ea typeface="Aptos" panose="020B0004020202020204" pitchFamily="34" charset="0"/>
+                <a:cs typeface="Times New Roman" panose="02020603050405020304" pitchFamily="18" charset="0"/>
+              </a:rPr>
+              <a:t>¿Qué es </a:t>
+            </a:r>
+            <a:r>
+              <a:rPr lang="es-CR" sz="1800" b="1" dirty="0" err="1">
+                <a:effectLst/>
+                <a:latin typeface="Aptos" panose="020B0004020202020204" pitchFamily="34" charset="0"/>
+                <a:ea typeface="Aptos" panose="020B0004020202020204" pitchFamily="34" charset="0"/>
+                <a:cs typeface="Times New Roman" panose="02020603050405020304" pitchFamily="18" charset="0"/>
+              </a:rPr>
+              <a:t>Meshtastic</a:t>
+            </a:r>
+            <a:r>
+              <a:rPr lang="es-CR" sz="1800" b="1" dirty="0">
+                <a:effectLst/>
+                <a:latin typeface="Aptos" panose="020B0004020202020204" pitchFamily="34" charset="0"/>
+                <a:ea typeface="Aptos" panose="020B0004020202020204" pitchFamily="34" charset="0"/>
+                <a:cs typeface="Times New Roman" panose="02020603050405020304" pitchFamily="18" charset="0"/>
+              </a:rPr>
+              <a:t>?</a:t>
+            </a:r>
+          </a:p>
+          <a:p>
+            <a:endParaRPr lang="es-CR" sz="1800" b="1" dirty="0">
+              <a:effectLst/>
+              <a:latin typeface="Aptos" panose="020B0004020202020204" pitchFamily="34" charset="0"/>
+              <a:ea typeface="Aptos" panose="020B0004020202020204" pitchFamily="34" charset="0"/>
+              <a:cs typeface="Times New Roman" panose="02020603050405020304" pitchFamily="18" charset="0"/>
+            </a:endParaRPr>
+          </a:p>
+          <a:p>
+            <a:r>
+              <a:rPr lang="es-CR" sz="1800" b="1" dirty="0">
+                <a:effectLst/>
+                <a:latin typeface="Aptos" panose="020B0004020202020204" pitchFamily="34" charset="0"/>
+                <a:ea typeface="Aptos" panose="020B0004020202020204" pitchFamily="34" charset="0"/>
+                <a:cs typeface="Times New Roman" panose="02020603050405020304" pitchFamily="18" charset="0"/>
+              </a:rPr>
+              <a:t>Protocolo</a:t>
+            </a:r>
+          </a:p>
+          <a:p>
+            <a:pPr marL="0" indent="0">
+              <a:buNone/>
+            </a:pPr>
+            <a:endParaRPr lang="es-CR" sz="1800" b="1" dirty="0">
+              <a:effectLst/>
+              <a:latin typeface="Aptos" panose="020B0004020202020204" pitchFamily="34" charset="0"/>
+              <a:ea typeface="Aptos" panose="020B0004020202020204" pitchFamily="34" charset="0"/>
+              <a:cs typeface="Times New Roman" panose="02020603050405020304" pitchFamily="18" charset="0"/>
+            </a:endParaRPr>
+          </a:p>
+          <a:p>
+            <a:r>
+              <a:rPr lang="es-CR" sz="1800" b="1" dirty="0">
+                <a:effectLst/>
+                <a:latin typeface="Aptos" panose="020B0004020202020204" pitchFamily="34" charset="0"/>
+                <a:cs typeface="Times New Roman" panose="02020603050405020304" pitchFamily="18" charset="0"/>
+              </a:rPr>
+              <a:t>Funcionamiento</a:t>
+            </a:r>
+          </a:p>
+          <a:p>
+            <a:pPr marL="0" indent="0">
+              <a:buNone/>
+            </a:pPr>
+            <a:endParaRPr lang="es-CR" sz="1800" b="1" dirty="0">
+              <a:effectLst/>
+              <a:latin typeface="Aptos" panose="020B0004020202020204" pitchFamily="34" charset="0"/>
+              <a:cs typeface="Times New Roman" panose="02020603050405020304" pitchFamily="18" charset="0"/>
+            </a:endParaRPr>
+          </a:p>
+          <a:p>
+            <a:r>
+              <a:rPr lang="es-CR" sz="1800" b="1" dirty="0">
+                <a:effectLst/>
+                <a:latin typeface="Aptos" panose="020B0004020202020204" pitchFamily="34" charset="0"/>
+                <a:ea typeface="Aptos" panose="020B0004020202020204" pitchFamily="34" charset="0"/>
+                <a:cs typeface="Times New Roman" panose="02020603050405020304" pitchFamily="18" charset="0"/>
+              </a:rPr>
+              <a:t>Ventajas y Limitaciones</a:t>
+            </a:r>
+          </a:p>
+          <a:p>
+            <a:pPr marL="0" indent="0">
+              <a:buNone/>
+            </a:pPr>
+            <a:endParaRPr lang="es-CR" sz="1800" b="1" dirty="0">
+              <a:effectLst/>
+              <a:latin typeface="Aptos" panose="020B0004020202020204" pitchFamily="34" charset="0"/>
+              <a:ea typeface="Aptos" panose="020B0004020202020204" pitchFamily="34" charset="0"/>
+              <a:cs typeface="Times New Roman" panose="02020603050405020304" pitchFamily="18" charset="0"/>
+            </a:endParaRPr>
+          </a:p>
+          <a:p>
+            <a:r>
+              <a:rPr lang="es-CR" sz="1800" b="1" dirty="0">
+                <a:effectLst/>
+                <a:latin typeface="Aptos" panose="020B0004020202020204" pitchFamily="34" charset="0"/>
+                <a:ea typeface="Aptos" panose="020B0004020202020204" pitchFamily="34" charset="0"/>
+                <a:cs typeface="Times New Roman" panose="02020603050405020304" pitchFamily="18" charset="0"/>
+              </a:rPr>
+              <a:t>Aplicaciones</a:t>
+            </a:r>
+          </a:p>
+          <a:p>
+            <a:endParaRPr lang="es-CR" dirty="0"/>
+          </a:p>
+        </p:txBody>
+      </p:sp>
+      <p:pic>
+        <p:nvPicPr>
+          <p:cNvPr id="7" name="Picture 6" descr="A close-up of a radio&#10;&#10;Description automatically generated">
+            <a:extLst>
+              <a:ext uri="{FF2B5EF4-FFF2-40B4-BE49-F238E27FC236}">
+                <a16:creationId xmlns:a16="http://schemas.microsoft.com/office/drawing/2014/main" id="{3B0E81C2-1753-6F35-DFD2-CE541B996C16}"/>
+              </a:ext>
+            </a:extLst>
+          </p:cNvPr>
+          <p:cNvPicPr>
+            <a:picLocks noChangeAspect="1"/>
+          </p:cNvPicPr>
+          <p:nvPr/>
+        </p:nvPicPr>
+        <p:blipFill>
+          <a:blip r:embed="rId2">
+            <a:extLst>
+              <a:ext uri="{28A0092B-C50C-407E-A947-70E740481C1C}">
+                <a14:useLocalDpi xmlns:a14="http://schemas.microsoft.com/office/drawing/2010/main" val="0"/>
+              </a:ext>
+            </a:extLst>
+          </a:blip>
+          <a:stretch>
+            <a:fillRect/>
+          </a:stretch>
+        </p:blipFill>
+        <p:spPr>
+          <a:xfrm>
+            <a:off x="4451173" y="2310094"/>
+            <a:ext cx="6924675" cy="3267075"/>
+          </a:xfrm>
+          <a:prstGeom prst="rect">
+            <a:avLst/>
+          </a:prstGeom>
+        </p:spPr>
+      </p:pic>
     </p:spTree>
     <p:extLst>
       <p:ext uri="{BB962C8B-B14F-4D97-AF65-F5344CB8AC3E}">
@@ -6985,15 +7220,127 @@
             <p:ph idx="1"/>
           </p:nvPr>
         </p:nvSpPr>
-        <p:spPr/>
+        <p:spPr>
+          <a:xfrm>
+            <a:off x="913794" y="2220242"/>
+            <a:ext cx="10353762" cy="3695136"/>
+          </a:xfrm>
+        </p:spPr>
         <p:txBody>
           <a:bodyPr/>
           <a:lstStyle/>
           <a:p>
-            <a:endParaRPr lang="es-CR"/>
-          </a:p>
-        </p:txBody>
-      </p:sp>
+            <a:pPr marL="0" indent="0">
+              <a:buNone/>
+            </a:pPr>
+            <a:endParaRPr lang="es-ES" dirty="0"/>
+          </a:p>
+          <a:p>
+            <a:r>
+              <a:rPr lang="es-CR" sz="1800" b="1" dirty="0">
+                <a:effectLst/>
+                <a:latin typeface="Aptos" panose="020B0004020202020204" pitchFamily="34" charset="0"/>
+                <a:ea typeface="Aptos" panose="020B0004020202020204" pitchFamily="34" charset="0"/>
+                <a:cs typeface="Times New Roman" panose="02020603050405020304" pitchFamily="18" charset="0"/>
+              </a:rPr>
+              <a:t>Características del ESP32</a:t>
+            </a:r>
+          </a:p>
+          <a:p>
+            <a:endParaRPr lang="es-CR" sz="1800" b="1" dirty="0">
+              <a:effectLst/>
+              <a:latin typeface="Aptos" panose="020B0004020202020204" pitchFamily="34" charset="0"/>
+              <a:cs typeface="Times New Roman" panose="02020603050405020304" pitchFamily="18" charset="0"/>
+            </a:endParaRPr>
+          </a:p>
+          <a:p>
+            <a:r>
+              <a:rPr lang="es-CR" sz="1800" b="1" dirty="0">
+                <a:effectLst/>
+                <a:latin typeface="Aptos" panose="020B0004020202020204" pitchFamily="34" charset="0"/>
+                <a:cs typeface="Times New Roman" panose="02020603050405020304" pitchFamily="18" charset="0"/>
+              </a:rPr>
+              <a:t>Aplicaciones</a:t>
+            </a:r>
+          </a:p>
+          <a:p>
+            <a:endParaRPr lang="es-CR" sz="1800" b="1" dirty="0">
+              <a:effectLst/>
+              <a:latin typeface="Aptos" panose="020B0004020202020204" pitchFamily="34" charset="0"/>
+              <a:cs typeface="Times New Roman" panose="02020603050405020304" pitchFamily="18" charset="0"/>
+            </a:endParaRPr>
+          </a:p>
+          <a:p>
+            <a:r>
+              <a:rPr lang="es-CR" sz="1800" b="1" dirty="0">
+                <a:effectLst/>
+                <a:latin typeface="Aptos" panose="020B0004020202020204" pitchFamily="34" charset="0"/>
+                <a:ea typeface="Aptos" panose="020B0004020202020204" pitchFamily="34" charset="0"/>
+                <a:cs typeface="Times New Roman" panose="02020603050405020304" pitchFamily="18" charset="0"/>
+              </a:rPr>
+              <a:t>Ventajas y Desafíos del ESP32</a:t>
+            </a:r>
+            <a:endParaRPr lang="es-ES" dirty="0"/>
+          </a:p>
+          <a:p>
+            <a:endParaRPr lang="es-ES" dirty="0"/>
+          </a:p>
+          <a:p>
+            <a:r>
+              <a:rPr lang="es-ES" dirty="0"/>
+              <a:t>Módulo LILYGO® TTGO LoRa32 V2.1 1.6.1 ESP32</a:t>
+            </a:r>
+            <a:endParaRPr lang="es-CR" dirty="0"/>
+          </a:p>
+        </p:txBody>
+      </p:sp>
+      <p:pic>
+        <p:nvPicPr>
+          <p:cNvPr id="2050" name="Picture 2">
+            <a:extLst>
+              <a:ext uri="{FF2B5EF4-FFF2-40B4-BE49-F238E27FC236}">
+                <a16:creationId xmlns:a16="http://schemas.microsoft.com/office/drawing/2014/main" id="{EA93A843-27D7-ED8F-43CC-824EC68A9F58}"/>
+              </a:ext>
+            </a:extLst>
+          </p:cNvPr>
+          <p:cNvPicPr>
+            <a:picLocks noChangeAspect="1" noChangeArrowheads="1"/>
+          </p:cNvPicPr>
+          <p:nvPr/>
+        </p:nvPicPr>
+        <p:blipFill>
+          <a:blip r:embed="rId3">
+            <a:extLst>
+              <a:ext uri="{28A0092B-C50C-407E-A947-70E740481C1C}">
+                <a14:useLocalDpi xmlns:a14="http://schemas.microsoft.com/office/drawing/2010/main" val="0"/>
+              </a:ext>
+            </a:extLst>
+          </a:blip>
+          <a:srcRect/>
+          <a:stretch>
+            <a:fillRect/>
+          </a:stretch>
+        </p:blipFill>
+        <p:spPr bwMode="auto">
+          <a:xfrm>
+            <a:off x="5026906" y="1272760"/>
+            <a:ext cx="7534275" cy="5686425"/>
+          </a:xfrm>
+          <a:prstGeom prst="rect">
+            <a:avLst/>
+          </a:prstGeom>
+          <a:noFill/>
+          <a:extLst>
+            <a:ext uri="{909E8E84-426E-40DD-AFC4-6F175D3DCCD1}">
+              <a14:hiddenFill xmlns:a14="http://schemas.microsoft.com/office/drawing/2010/main">
+                <a:solidFill>
+                  <a:srgbClr val="FFFFFF"/>
+                </a:solidFill>
+              </a14:hiddenFill>
+            </a:ext>
+          </a:extLst>
+        </p:spPr>
+      </p:pic>
     </p:spTree>
     <p:extLst>
       <p:ext uri="{BB962C8B-B14F-4D97-AF65-F5344CB8AC3E}">
@@ -7083,17 +7430,388 @@
         </p:nvSpPr>
         <p:spPr/>
         <p:txBody>
-          <a:bodyPr/>
+          <a:bodyPr>
+            <a:normAutofit/>
+          </a:bodyPr>
           <a:lstStyle/>
           <a:p>
-            <a:endParaRPr lang="es-CR"/>
-          </a:p>
-        </p:txBody>
-      </p:sp>
+            <a:r>
+              <a:rPr lang="es-CR" sz="1800" b="1" dirty="0">
+                <a:effectLst/>
+                <a:latin typeface="Aptos" panose="020B0004020202020204" pitchFamily="34" charset="0"/>
+                <a:ea typeface="Aptos" panose="020B0004020202020204" pitchFamily="34" charset="0"/>
+                <a:cs typeface="Times New Roman" panose="02020603050405020304" pitchFamily="18" charset="0"/>
+              </a:rPr>
+              <a:t> ¿Qué es Visual Studio </a:t>
+            </a:r>
+            <a:r>
+              <a:rPr lang="es-CR" sz="1800" b="1" dirty="0" err="1">
+                <a:effectLst/>
+                <a:latin typeface="Aptos" panose="020B0004020202020204" pitchFamily="34" charset="0"/>
+                <a:ea typeface="Aptos" panose="020B0004020202020204" pitchFamily="34" charset="0"/>
+                <a:cs typeface="Times New Roman" panose="02020603050405020304" pitchFamily="18" charset="0"/>
+              </a:rPr>
+              <a:t>Code</a:t>
+            </a:r>
+            <a:r>
+              <a:rPr lang="es-CR" sz="1800" b="1" dirty="0">
+                <a:effectLst/>
+                <a:latin typeface="Aptos" panose="020B0004020202020204" pitchFamily="34" charset="0"/>
+                <a:ea typeface="Aptos" panose="020B0004020202020204" pitchFamily="34" charset="0"/>
+                <a:cs typeface="Times New Roman" panose="02020603050405020304" pitchFamily="18" charset="0"/>
+              </a:rPr>
+              <a:t>?</a:t>
+            </a:r>
+          </a:p>
+          <a:p>
+            <a:endParaRPr lang="es-CR" sz="1800" b="1" dirty="0">
+              <a:effectLst/>
+              <a:latin typeface="Aptos" panose="020B0004020202020204" pitchFamily="34" charset="0"/>
+              <a:ea typeface="Aptos" panose="020B0004020202020204" pitchFamily="34" charset="0"/>
+              <a:cs typeface="Times New Roman" panose="02020603050405020304" pitchFamily="18" charset="0"/>
+            </a:endParaRPr>
+          </a:p>
+          <a:p>
+            <a:r>
+              <a:rPr lang="es-CR" sz="1800" b="1" dirty="0">
+                <a:effectLst/>
+                <a:latin typeface="Aptos" panose="020B0004020202020204" pitchFamily="34" charset="0"/>
+                <a:ea typeface="Aptos" panose="020B0004020202020204" pitchFamily="34" charset="0"/>
+                <a:cs typeface="Times New Roman" panose="02020603050405020304" pitchFamily="18" charset="0"/>
+              </a:rPr>
+              <a:t>¿Qué es </a:t>
+            </a:r>
+            <a:r>
+              <a:rPr lang="es-CR" sz="1800" b="1" dirty="0" err="1">
+                <a:effectLst/>
+                <a:latin typeface="Aptos" panose="020B0004020202020204" pitchFamily="34" charset="0"/>
+                <a:ea typeface="Aptos" panose="020B0004020202020204" pitchFamily="34" charset="0"/>
+                <a:cs typeface="Times New Roman" panose="02020603050405020304" pitchFamily="18" charset="0"/>
+              </a:rPr>
+              <a:t>PlatformIO</a:t>
+            </a:r>
+            <a:r>
+              <a:rPr lang="es-CR" sz="1800" b="1" dirty="0">
+                <a:effectLst/>
+                <a:latin typeface="Aptos" panose="020B0004020202020204" pitchFamily="34" charset="0"/>
+                <a:ea typeface="Aptos" panose="020B0004020202020204" pitchFamily="34" charset="0"/>
+                <a:cs typeface="Times New Roman" panose="02020603050405020304" pitchFamily="18" charset="0"/>
+              </a:rPr>
+              <a:t>?</a:t>
+            </a:r>
+          </a:p>
+          <a:p>
+            <a:endParaRPr lang="es-CR" sz="1800" b="1" dirty="0">
+              <a:effectLst/>
+              <a:latin typeface="Aptos" panose="020B0004020202020204" pitchFamily="34" charset="0"/>
+              <a:ea typeface="Aptos" panose="020B0004020202020204" pitchFamily="34" charset="0"/>
+              <a:cs typeface="Times New Roman" panose="02020603050405020304" pitchFamily="18" charset="0"/>
+            </a:endParaRPr>
+          </a:p>
+          <a:p>
+            <a:pPr marL="0" marR="0">
+              <a:lnSpc>
+                <a:spcPct val="115000"/>
+              </a:lnSpc>
+              <a:spcBef>
+                <a:spcPts val="0"/>
+              </a:spcBef>
+              <a:spcAft>
+                <a:spcPts val="800"/>
+              </a:spcAft>
+            </a:pPr>
+            <a:r>
+              <a:rPr lang="es-CR" sz="1800" b="1" kern="100" dirty="0">
+                <a:effectLst/>
+                <a:latin typeface="Aptos" panose="020B0004020202020204" pitchFamily="34" charset="0"/>
+                <a:ea typeface="Aptos" panose="020B0004020202020204" pitchFamily="34" charset="0"/>
+                <a:cs typeface="Times New Roman" panose="02020603050405020304" pitchFamily="18" charset="0"/>
+              </a:rPr>
+              <a:t>Características Clave de </a:t>
+            </a:r>
+            <a:r>
+              <a:rPr lang="es-CR" sz="1800" b="1" kern="100" dirty="0" err="1">
+                <a:effectLst/>
+                <a:latin typeface="Aptos" panose="020B0004020202020204" pitchFamily="34" charset="0"/>
+                <a:ea typeface="Aptos" panose="020B0004020202020204" pitchFamily="34" charset="0"/>
+                <a:cs typeface="Times New Roman" panose="02020603050405020304" pitchFamily="18" charset="0"/>
+              </a:rPr>
+              <a:t>PlatformIO</a:t>
+            </a:r>
+            <a:endParaRPr lang="en-US" sz="1800" kern="100" dirty="0">
+              <a:effectLst/>
+              <a:latin typeface="Aptos" panose="020B0004020202020204" pitchFamily="34" charset="0"/>
+              <a:ea typeface="Aptos" panose="020B0004020202020204" pitchFamily="34" charset="0"/>
+              <a:cs typeface="Times New Roman" panose="02020603050405020304" pitchFamily="18" charset="0"/>
+            </a:endParaRPr>
+          </a:p>
+          <a:p>
+            <a:pPr marL="800100" lvl="1" indent="-342900">
+              <a:lnSpc>
+                <a:spcPct val="115000"/>
+              </a:lnSpc>
+              <a:spcBef>
+                <a:spcPts val="0"/>
+              </a:spcBef>
+              <a:spcAft>
+                <a:spcPts val="800"/>
+              </a:spcAft>
+              <a:buSzPts val="1000"/>
+              <a:buFont typeface="Symbol" panose="05050102010706020507" pitchFamily="18" charset="2"/>
+              <a:buChar char=""/>
+              <a:tabLst>
+                <a:tab pos="457200" algn="l"/>
+              </a:tabLst>
+            </a:pPr>
+            <a:r>
+              <a:rPr lang="es-CR" sz="1600" b="1" kern="100" dirty="0">
+                <a:effectLst/>
+                <a:latin typeface="Aptos" panose="020B0004020202020204" pitchFamily="34" charset="0"/>
+                <a:ea typeface="Aptos" panose="020B0004020202020204" pitchFamily="34" charset="0"/>
+                <a:cs typeface="Times New Roman" panose="02020603050405020304" pitchFamily="18" charset="0"/>
+              </a:rPr>
+              <a:t>Gestión de Proyectos Multiplataforma</a:t>
+            </a:r>
+            <a:endParaRPr lang="en-US" sz="1600" kern="100" dirty="0">
+              <a:effectLst/>
+              <a:latin typeface="Aptos" panose="020B0004020202020204" pitchFamily="34" charset="0"/>
+              <a:ea typeface="Aptos" panose="020B0004020202020204" pitchFamily="34" charset="0"/>
+              <a:cs typeface="Times New Roman" panose="02020603050405020304" pitchFamily="18" charset="0"/>
+            </a:endParaRPr>
+          </a:p>
+          <a:p>
+            <a:pPr marL="800100" lvl="1" indent="-342900">
+              <a:lnSpc>
+                <a:spcPct val="115000"/>
+              </a:lnSpc>
+              <a:spcBef>
+                <a:spcPts val="0"/>
+              </a:spcBef>
+              <a:spcAft>
+                <a:spcPts val="800"/>
+              </a:spcAft>
+              <a:buSzPts val="1000"/>
+              <a:buFont typeface="Symbol" panose="05050102010706020507" pitchFamily="18" charset="2"/>
+              <a:buChar char=""/>
+              <a:tabLst>
+                <a:tab pos="457200" algn="l"/>
+              </a:tabLst>
+            </a:pPr>
+            <a:r>
+              <a:rPr lang="es-CR" sz="1600" b="1" kern="100" dirty="0">
+                <a:effectLst/>
+                <a:latin typeface="Aptos" panose="020B0004020202020204" pitchFamily="34" charset="0"/>
+                <a:ea typeface="Aptos" panose="020B0004020202020204" pitchFamily="34" charset="0"/>
+                <a:cs typeface="Times New Roman" panose="02020603050405020304" pitchFamily="18" charset="0"/>
+              </a:rPr>
+              <a:t>Sistema de Bibliotecas</a:t>
+            </a:r>
+            <a:endParaRPr lang="en-US" sz="1600" kern="100" dirty="0">
+              <a:effectLst/>
+              <a:latin typeface="Aptos" panose="020B0004020202020204" pitchFamily="34" charset="0"/>
+              <a:ea typeface="Aptos" panose="020B0004020202020204" pitchFamily="34" charset="0"/>
+              <a:cs typeface="Times New Roman" panose="02020603050405020304" pitchFamily="18" charset="0"/>
+            </a:endParaRPr>
+          </a:p>
+          <a:p>
+            <a:pPr marL="800100" lvl="1" indent="-342900">
+              <a:lnSpc>
+                <a:spcPct val="115000"/>
+              </a:lnSpc>
+              <a:spcBef>
+                <a:spcPts val="0"/>
+              </a:spcBef>
+              <a:spcAft>
+                <a:spcPts val="800"/>
+              </a:spcAft>
+              <a:buSzPts val="1000"/>
+              <a:buFont typeface="Symbol" panose="05050102010706020507" pitchFamily="18" charset="2"/>
+              <a:buChar char=""/>
+              <a:tabLst>
+                <a:tab pos="457200" algn="l"/>
+              </a:tabLst>
+            </a:pPr>
+            <a:r>
+              <a:rPr lang="es-CR" sz="1600" b="1" kern="100" dirty="0">
+                <a:effectLst/>
+                <a:latin typeface="Aptos" panose="020B0004020202020204" pitchFamily="34" charset="0"/>
+                <a:ea typeface="Aptos" panose="020B0004020202020204" pitchFamily="34" charset="0"/>
+                <a:cs typeface="Times New Roman" panose="02020603050405020304" pitchFamily="18" charset="0"/>
+              </a:rPr>
+              <a:t>Compilación y Depuración</a:t>
+            </a:r>
+            <a:endParaRPr lang="en-US" sz="1600" kern="100" dirty="0">
+              <a:effectLst/>
+              <a:latin typeface="Aptos" panose="020B0004020202020204" pitchFamily="34" charset="0"/>
+              <a:ea typeface="Aptos" panose="020B0004020202020204" pitchFamily="34" charset="0"/>
+              <a:cs typeface="Times New Roman" panose="02020603050405020304" pitchFamily="18" charset="0"/>
+            </a:endParaRPr>
+          </a:p>
+          <a:p>
+            <a:pPr marL="800100" lvl="1" indent="-342900">
+              <a:lnSpc>
+                <a:spcPct val="115000"/>
+              </a:lnSpc>
+              <a:spcBef>
+                <a:spcPts val="0"/>
+              </a:spcBef>
+              <a:spcAft>
+                <a:spcPts val="800"/>
+              </a:spcAft>
+              <a:buSzPts val="1000"/>
+              <a:buFont typeface="Symbol" panose="05050102010706020507" pitchFamily="18" charset="2"/>
+              <a:buChar char=""/>
+              <a:tabLst>
+                <a:tab pos="457200" algn="l"/>
+              </a:tabLst>
+            </a:pPr>
+            <a:r>
+              <a:rPr lang="es-CR" sz="1600" b="1" kern="100" dirty="0">
+                <a:effectLst/>
+                <a:latin typeface="Aptos" panose="020B0004020202020204" pitchFamily="34" charset="0"/>
+                <a:ea typeface="Aptos" panose="020B0004020202020204" pitchFamily="34" charset="0"/>
+                <a:cs typeface="Times New Roman" panose="02020603050405020304" pitchFamily="18" charset="0"/>
+              </a:rPr>
+              <a:t>Control de Versiones y CI/CD</a:t>
+            </a:r>
+            <a:endParaRPr lang="es-CR" dirty="0"/>
+          </a:p>
+        </p:txBody>
+      </p:sp>
+      <p:pic>
+        <p:nvPicPr>
+          <p:cNvPr id="1029" name="Picture 5">
+            <a:extLst>
+              <a:ext uri="{FF2B5EF4-FFF2-40B4-BE49-F238E27FC236}">
+                <a16:creationId xmlns:a16="http://schemas.microsoft.com/office/drawing/2014/main" id="{F1C8356D-1EDA-702F-0AF1-5EA4FE7A9B6A}"/>
+              </a:ext>
+            </a:extLst>
+          </p:cNvPr>
+          <p:cNvPicPr>
+            <a:picLocks noChangeAspect="1" noChangeArrowheads="1"/>
+          </p:cNvPicPr>
+          <p:nvPr/>
+        </p:nvPicPr>
+        <p:blipFill>
+          <a:blip r:embed="rId2">
+            <a:extLst>
+              <a:ext uri="{28A0092B-C50C-407E-A947-70E740481C1C}">
+                <a14:useLocalDpi xmlns:a14="http://schemas.microsoft.com/office/drawing/2010/main" val="0"/>
+              </a:ext>
+            </a:extLst>
+          </a:blip>
+          <a:srcRect/>
+          <a:stretch>
+            <a:fillRect/>
+          </a:stretch>
+        </p:blipFill>
+        <p:spPr bwMode="auto">
+          <a:xfrm>
+            <a:off x="5610578" y="2664989"/>
+            <a:ext cx="5978678" cy="2557286"/>
+          </a:xfrm>
+          <a:prstGeom prst="rect">
+            <a:avLst/>
+          </a:prstGeom>
+          <a:noFill/>
+          <a:extLst>
+            <a:ext uri="{909E8E84-426E-40DD-AFC4-6F175D3DCCD1}">
+              <a14:hiddenFill xmlns:a14="http://schemas.microsoft.com/office/drawing/2010/main">
+                <a:solidFill>
+                  <a:srgbClr val="FFFFFF"/>
+                </a:solidFill>
+              </a14:hiddenFill>
+            </a:ext>
+          </a:extLst>
+        </p:spPr>
+      </p:pic>
     </p:spTree>
     <p:extLst>
       <p:ext uri="{BB962C8B-B14F-4D97-AF65-F5344CB8AC3E}">
         <p14:creationId xmlns:p14="http://schemas.microsoft.com/office/powerpoint/2010/main" val="1575718338"/>
+      </p:ext>
+    </p:extLst>
+  </p:cSld>
+  <p:clrMapOvr>
+    <a:masterClrMapping/>
+  </p:clrMapOvr>
+</p:sld>
+</file>
+
+<file path=ppt/slides/slide15.xml><?xml version="1.0" encoding="utf-8"?>
+<p:sld xmlns:a="http://schemas.openxmlformats.org/drawingml/2006/main" xmlns:r="http://schemas.openxmlformats.org/officeDocument/2006/relationships" xmlns:p="http://schemas.openxmlformats.org/presentationml/2006/main">
+  <p:cSld>
+    <p:spTree>
+      <p:nvGrpSpPr>
+        <p:cNvPr id="1" name=""/>
+        <p:cNvGrpSpPr/>
+        <p:nvPr/>
+      </p:nvGrpSpPr>
+      <p:grpSpPr>
+        <a:xfrm>
+          <a:off x="0" y="0"/>
+          <a:ext cx="0" cy="0"/>
+          <a:chOff x="0" y="0"/>
+          <a:chExt cx="0" cy="0"/>
+        </a:xfrm>
+      </p:grpSpPr>
+      <p:sp>
+        <p:nvSpPr>
+          <p:cNvPr id="2" name="Title 1">
+            <a:extLst>
+              <a:ext uri="{FF2B5EF4-FFF2-40B4-BE49-F238E27FC236}">
+                <a16:creationId xmlns:a16="http://schemas.microsoft.com/office/drawing/2014/main" id="{E4BBE1F5-B8E7-1E52-6C7B-D4091ABD294B}"/>
+              </a:ext>
+            </a:extLst>
+          </p:cNvPr>
+          <p:cNvSpPr>
+            <a:spLocks noGrp="1"/>
+          </p:cNvSpPr>
+          <p:nvPr>
+            <p:ph type="ctrTitle"/>
+          </p:nvPr>
+        </p:nvSpPr>
+        <p:spPr/>
+        <p:txBody>
+          <a:bodyPr/>
+          <a:lstStyle/>
+          <a:p>
+            <a:r>
+              <a:rPr lang="en-US" dirty="0"/>
+              <a:t>Gracias</a:t>
+            </a:r>
+          </a:p>
+        </p:txBody>
+      </p:sp>
+      <p:sp>
+        <p:nvSpPr>
+          <p:cNvPr id="3" name="Subtitle 2">
+            <a:extLst>
+              <a:ext uri="{FF2B5EF4-FFF2-40B4-BE49-F238E27FC236}">
+                <a16:creationId xmlns:a16="http://schemas.microsoft.com/office/drawing/2014/main" id="{7D0B1DBC-8F7B-357A-627E-CA1C67569DA0}"/>
+              </a:ext>
+            </a:extLst>
+          </p:cNvPr>
+          <p:cNvSpPr>
+            <a:spLocks noGrp="1"/>
+          </p:cNvSpPr>
+          <p:nvPr>
+            <p:ph type="subTitle" idx="1"/>
+          </p:nvPr>
+        </p:nvSpPr>
+        <p:spPr/>
+        <p:txBody>
+          <a:bodyPr/>
+          <a:lstStyle/>
+          <a:p>
+            <a:endParaRPr lang="en-US"/>
+          </a:p>
+        </p:txBody>
+      </p:sp>
+    </p:spTree>
+    <p:extLst>
+      <p:ext uri="{BB962C8B-B14F-4D97-AF65-F5344CB8AC3E}">
+        <p14:creationId xmlns:p14="http://schemas.microsoft.com/office/powerpoint/2010/main" val="3434177516"/>
       </p:ext>
     </p:extLst>
   </p:cSld>
